--- a/src/Guava介绍.pptx
+++ b/src/Guava介绍.pptx
@@ -5,14 +5,28 @@
     <p:sldMasterId id="2147483676" r:id="rId1"/>
   </p:sldMasterIdLst>
   <p:notesMasterIdLst>
-    <p:notesMasterId r:id="rId7"/>
+    <p:notesMasterId r:id="rId21"/>
   </p:notesMasterIdLst>
   <p:sldIdLst>
     <p:sldId id="256" r:id="rId2"/>
-    <p:sldId id="264" r:id="rId3"/>
+    <p:sldId id="304" r:id="rId3"/>
     <p:sldId id="257" r:id="rId4"/>
     <p:sldId id="263" r:id="rId5"/>
-    <p:sldId id="262" r:id="rId6"/>
+    <p:sldId id="317" r:id="rId6"/>
+    <p:sldId id="318" r:id="rId7"/>
+    <p:sldId id="305" r:id="rId8"/>
+    <p:sldId id="306" r:id="rId9"/>
+    <p:sldId id="307" r:id="rId10"/>
+    <p:sldId id="308" r:id="rId11"/>
+    <p:sldId id="309" r:id="rId12"/>
+    <p:sldId id="310" r:id="rId13"/>
+    <p:sldId id="311" r:id="rId14"/>
+    <p:sldId id="312" r:id="rId15"/>
+    <p:sldId id="313" r:id="rId16"/>
+    <p:sldId id="314" r:id="rId17"/>
+    <p:sldId id="315" r:id="rId18"/>
+    <p:sldId id="316" r:id="rId19"/>
+    <p:sldId id="262" r:id="rId20"/>
   </p:sldIdLst>
   <p:sldSz cx="9144000" cy="6858000" type="screen4x3"/>
   <p:notesSz cx="6858000" cy="9144000"/>
@@ -204,7 +218,7 @@
           <a:p>
             <a:fld id="{11F57BAD-BF52-48AF-9499-9AC6D410CEF6}" type="datetimeFigureOut">
               <a:rPr lang="zh-CN" altLang="en-US" smtClean="0"/>
-              <a:t>2018/11/21</a:t>
+              <a:t>2018/11/27</a:t>
             </a:fld>
             <a:endParaRPr lang="zh-CN" altLang="en-US"/>
           </a:p>
@@ -602,7 +616,7 @@
           <a:p>
             <a:fld id="{A3B2F663-546F-41A6-910A-172E050DEC49}" type="datetimeFigureOut">
               <a:rPr lang="zh-CN" altLang="en-US" smtClean="0"/>
-              <a:t>2018/11/21</a:t>
+              <a:t>2018/11/27</a:t>
             </a:fld>
             <a:endParaRPr lang="zh-CN" altLang="en-US"/>
           </a:p>
@@ -772,7 +786,7 @@
           <a:p>
             <a:fld id="{A3B2F663-546F-41A6-910A-172E050DEC49}" type="datetimeFigureOut">
               <a:rPr lang="zh-CN" altLang="en-US" smtClean="0"/>
-              <a:t>2018/11/21</a:t>
+              <a:t>2018/11/27</a:t>
             </a:fld>
             <a:endParaRPr lang="zh-CN" altLang="en-US"/>
           </a:p>
@@ -952,7 +966,7 @@
           <a:p>
             <a:fld id="{A3B2F663-546F-41A6-910A-172E050DEC49}" type="datetimeFigureOut">
               <a:rPr lang="zh-CN" altLang="en-US" smtClean="0"/>
-              <a:t>2018/11/21</a:t>
+              <a:t>2018/11/27</a:t>
             </a:fld>
             <a:endParaRPr lang="zh-CN" altLang="en-US"/>
           </a:p>
@@ -1047,7 +1061,7 @@
           <a:p>
             <a:fld id="{A3B2F663-546F-41A6-910A-172E050DEC49}" type="datetimeFigureOut">
               <a:rPr lang="zh-CN" altLang="en-US" smtClean="0"/>
-              <a:t>2018/11/21</a:t>
+              <a:t>2018/11/27</a:t>
             </a:fld>
             <a:endParaRPr lang="zh-CN" altLang="en-US"/>
           </a:p>
@@ -9047,7 +9061,7 @@
           <a:p>
             <a:fld id="{A3B2F663-546F-41A6-910A-172E050DEC49}" type="datetimeFigureOut">
               <a:rPr lang="zh-CN" altLang="en-US" smtClean="0"/>
-              <a:t>2018/11/21</a:t>
+              <a:t>2018/11/27</a:t>
             </a:fld>
             <a:endParaRPr lang="zh-CN" altLang="en-US"/>
           </a:p>
@@ -9291,7 +9305,7 @@
           <a:p>
             <a:fld id="{A3B2F663-546F-41A6-910A-172E050DEC49}" type="datetimeFigureOut">
               <a:rPr lang="zh-CN" altLang="en-US" smtClean="0"/>
-              <a:t>2018/11/21</a:t>
+              <a:t>2018/11/27</a:t>
             </a:fld>
             <a:endParaRPr lang="zh-CN" altLang="en-US"/>
           </a:p>
@@ -9523,7 +9537,7 @@
           <a:p>
             <a:fld id="{A3B2F663-546F-41A6-910A-172E050DEC49}" type="datetimeFigureOut">
               <a:rPr lang="zh-CN" altLang="en-US" smtClean="0"/>
-              <a:t>2018/11/21</a:t>
+              <a:t>2018/11/27</a:t>
             </a:fld>
             <a:endParaRPr lang="zh-CN" altLang="en-US"/>
           </a:p>
@@ -9890,7 +9904,7 @@
           <a:p>
             <a:fld id="{A3B2F663-546F-41A6-910A-172E050DEC49}" type="datetimeFigureOut">
               <a:rPr lang="zh-CN" altLang="en-US" smtClean="0"/>
-              <a:t>2018/11/21</a:t>
+              <a:t>2018/11/27</a:t>
             </a:fld>
             <a:endParaRPr lang="zh-CN" altLang="en-US"/>
           </a:p>
@@ -10008,7 +10022,7 @@
           <a:p>
             <a:fld id="{A3B2F663-546F-41A6-910A-172E050DEC49}" type="datetimeFigureOut">
               <a:rPr lang="zh-CN" altLang="en-US" smtClean="0"/>
-              <a:t>2018/11/21</a:t>
+              <a:t>2018/11/27</a:t>
             </a:fld>
             <a:endParaRPr lang="zh-CN" altLang="en-US"/>
           </a:p>
@@ -10103,7 +10117,7 @@
           <a:p>
             <a:fld id="{A3B2F663-546F-41A6-910A-172E050DEC49}" type="datetimeFigureOut">
               <a:rPr lang="zh-CN" altLang="en-US" smtClean="0"/>
-              <a:t>2018/11/21</a:t>
+              <a:t>2018/11/27</a:t>
             </a:fld>
             <a:endParaRPr lang="zh-CN" altLang="en-US"/>
           </a:p>
@@ -10380,7 +10394,7 @@
           <a:p>
             <a:fld id="{A3B2F663-546F-41A6-910A-172E050DEC49}" type="datetimeFigureOut">
               <a:rPr lang="zh-CN" altLang="en-US" smtClean="0"/>
-              <a:t>2018/11/21</a:t>
+              <a:t>2018/11/27</a:t>
             </a:fld>
             <a:endParaRPr lang="zh-CN" altLang="en-US"/>
           </a:p>
@@ -10637,7 +10651,7 @@
           <a:p>
             <a:fld id="{A3B2F663-546F-41A6-910A-172E050DEC49}" type="datetimeFigureOut">
               <a:rPr lang="zh-CN" altLang="en-US" smtClean="0"/>
-              <a:t>2018/11/21</a:t>
+              <a:t>2018/11/27</a:t>
             </a:fld>
             <a:endParaRPr lang="zh-CN" altLang="en-US"/>
           </a:p>
@@ -10850,7 +10864,7 @@
           <a:p>
             <a:fld id="{A3B2F663-546F-41A6-910A-172E050DEC49}" type="datetimeFigureOut">
               <a:rPr lang="zh-CN" altLang="en-US" smtClean="0"/>
-              <a:t>2018/11/21</a:t>
+              <a:t>2018/11/27</a:t>
             </a:fld>
             <a:endParaRPr lang="zh-CN" altLang="en-US"/>
           </a:p>
@@ -11555,17 +11569,1040 @@
 </p:sld>
 </file>
 
-<file path=ppt/slides/slide2.xml><?xml version="1.0" encoding="utf-8"?>
+<file path=ppt/slides/slide10.xml><?xml version="1.0" encoding="utf-8"?>
 <p:sld xmlns:a="http://schemas.openxmlformats.org/drawingml/2006/main" xmlns:r="http://schemas.openxmlformats.org/officeDocument/2006/relationships" xmlns:p="http://schemas.openxmlformats.org/presentationml/2006/main">
   <p:cSld>
-    <p:bg>
-      <p:bgPr>
-        <a:solidFill>
-          <a:schemeClr val="bg1"/>
-        </a:solidFill>
-        <a:effectLst/>
-      </p:bgPr>
-    </p:bg>
+    <p:spTree>
+      <p:nvGrpSpPr>
+        <p:cNvPr id="1" name=""/>
+        <p:cNvGrpSpPr/>
+        <p:nvPr/>
+      </p:nvGrpSpPr>
+      <p:grpSpPr>
+        <a:xfrm>
+          <a:off x="0" y="0"/>
+          <a:ext cx="0" cy="0"/>
+          <a:chOff x="0" y="0"/>
+          <a:chExt cx="0" cy="0"/>
+        </a:xfrm>
+      </p:grpSpPr>
+      <p:sp>
+        <p:nvSpPr>
+          <p:cNvPr id="8" name="标题 7"/>
+          <p:cNvSpPr>
+            <a:spLocks noGrp="1"/>
+          </p:cNvSpPr>
+          <p:nvPr>
+            <p:ph type="title"/>
+          </p:nvPr>
+        </p:nvSpPr>
+        <p:spPr/>
+        <p:txBody>
+          <a:bodyPr>
+            <a:normAutofit/>
+          </a:bodyPr>
+          <a:lstStyle/>
+          <a:p>
+            <a:r>
+              <a:rPr lang="zh-CN" altLang="en-US" dirty="0"/>
+              <a:t>并发</a:t>
+            </a:r>
+            <a:br>
+              <a:rPr lang="en-US" altLang="zh-CN" dirty="0"/>
+            </a:br>
+            <a:r>
+              <a:rPr lang="en-US" altLang="zh-CN" dirty="0"/>
+              <a:t>Concurrency</a:t>
+            </a:r>
+            <a:endParaRPr lang="zh-CN" altLang="en-US" dirty="0"/>
+          </a:p>
+        </p:txBody>
+      </p:sp>
+      <p:sp>
+        <p:nvSpPr>
+          <p:cNvPr id="6" name="文本占位符 5"/>
+          <p:cNvSpPr>
+            <a:spLocks noGrp="1"/>
+          </p:cNvSpPr>
+          <p:nvPr>
+            <p:ph type="body" sz="quarter" idx="13"/>
+          </p:nvPr>
+        </p:nvSpPr>
+        <p:spPr/>
+        <p:txBody>
+          <a:bodyPr/>
+          <a:lstStyle/>
+          <a:p>
+            <a:r>
+              <a:rPr lang="zh-CN" altLang="en-US" dirty="0"/>
+              <a:t>强大而简单的抽象，让编写正确的并发代码更简单</a:t>
+            </a:r>
+          </a:p>
+        </p:txBody>
+      </p:sp>
+      <p:sp>
+        <p:nvSpPr>
+          <p:cNvPr id="9" name="文本占位符 8"/>
+          <p:cNvSpPr>
+            <a:spLocks noGrp="1"/>
+          </p:cNvSpPr>
+          <p:nvPr>
+            <p:ph type="body" sz="quarter" idx="14"/>
+          </p:nvPr>
+        </p:nvSpPr>
+        <p:spPr/>
+        <p:txBody>
+          <a:bodyPr/>
+          <a:lstStyle/>
+          <a:p>
+            <a:r>
+              <a:rPr lang="en-US" altLang="zh-CN" dirty="0"/>
+              <a:t>05</a:t>
+            </a:r>
+            <a:endParaRPr lang="zh-CN" altLang="en-US" dirty="0"/>
+          </a:p>
+        </p:txBody>
+      </p:sp>
+    </p:spTree>
+    <p:extLst>
+      <p:ext uri="{BB962C8B-B14F-4D97-AF65-F5344CB8AC3E}">
+        <p14:creationId xmlns:p14="http://schemas.microsoft.com/office/powerpoint/2010/main" val="2650938815"/>
+      </p:ext>
+    </p:extLst>
+  </p:cSld>
+  <p:clrMapOvr>
+    <a:masterClrMapping/>
+  </p:clrMapOvr>
+</p:sld>
+</file>
+
+<file path=ppt/slides/slide11.xml><?xml version="1.0" encoding="utf-8"?>
+<p:sld xmlns:a="http://schemas.openxmlformats.org/drawingml/2006/main" xmlns:r="http://schemas.openxmlformats.org/officeDocument/2006/relationships" xmlns:p="http://schemas.openxmlformats.org/presentationml/2006/main">
+  <p:cSld>
+    <p:spTree>
+      <p:nvGrpSpPr>
+        <p:cNvPr id="1" name=""/>
+        <p:cNvGrpSpPr/>
+        <p:nvPr/>
+      </p:nvGrpSpPr>
+      <p:grpSpPr>
+        <a:xfrm>
+          <a:off x="0" y="0"/>
+          <a:ext cx="0" cy="0"/>
+          <a:chOff x="0" y="0"/>
+          <a:chExt cx="0" cy="0"/>
+        </a:xfrm>
+      </p:grpSpPr>
+      <p:sp>
+        <p:nvSpPr>
+          <p:cNvPr id="8" name="标题 7"/>
+          <p:cNvSpPr>
+            <a:spLocks noGrp="1"/>
+          </p:cNvSpPr>
+          <p:nvPr>
+            <p:ph type="title"/>
+          </p:nvPr>
+        </p:nvSpPr>
+        <p:spPr/>
+        <p:txBody>
+          <a:bodyPr/>
+          <a:lstStyle/>
+          <a:p>
+            <a:r>
+              <a:rPr lang="zh-CN" altLang="en-US" dirty="0"/>
+              <a:t>字符串处理</a:t>
+            </a:r>
+            <a:br>
+              <a:rPr lang="zh-CN" altLang="en-US" dirty="0"/>
+            </a:br>
+            <a:r>
+              <a:rPr lang="en-US" altLang="zh-CN" dirty="0"/>
+              <a:t>Strings</a:t>
+            </a:r>
+            <a:endParaRPr lang="zh-CN" altLang="en-US" dirty="0"/>
+          </a:p>
+        </p:txBody>
+      </p:sp>
+      <p:sp>
+        <p:nvSpPr>
+          <p:cNvPr id="6" name="文本占位符 5"/>
+          <p:cNvSpPr>
+            <a:spLocks noGrp="1"/>
+          </p:cNvSpPr>
+          <p:nvPr>
+            <p:ph type="body" sz="quarter" idx="13"/>
+          </p:nvPr>
+        </p:nvSpPr>
+        <p:spPr/>
+        <p:txBody>
+          <a:bodyPr/>
+          <a:lstStyle/>
+          <a:p>
+            <a:r>
+              <a:rPr lang="zh-CN" altLang="en-US" dirty="0"/>
+              <a:t>字符串工具，包括分割、连接、填充等操作</a:t>
+            </a:r>
+          </a:p>
+        </p:txBody>
+      </p:sp>
+      <p:sp>
+        <p:nvSpPr>
+          <p:cNvPr id="9" name="文本占位符 8"/>
+          <p:cNvSpPr>
+            <a:spLocks noGrp="1"/>
+          </p:cNvSpPr>
+          <p:nvPr>
+            <p:ph type="body" sz="quarter" idx="14"/>
+          </p:nvPr>
+        </p:nvSpPr>
+        <p:spPr/>
+        <p:txBody>
+          <a:bodyPr/>
+          <a:lstStyle/>
+          <a:p>
+            <a:r>
+              <a:rPr lang="en-US" altLang="zh-CN" dirty="0"/>
+              <a:t>06	</a:t>
+            </a:r>
+            <a:endParaRPr lang="zh-CN" altLang="en-US" dirty="0"/>
+          </a:p>
+        </p:txBody>
+      </p:sp>
+    </p:spTree>
+    <p:extLst>
+      <p:ext uri="{BB962C8B-B14F-4D97-AF65-F5344CB8AC3E}">
+        <p14:creationId xmlns:p14="http://schemas.microsoft.com/office/powerpoint/2010/main" val="3410191328"/>
+      </p:ext>
+    </p:extLst>
+  </p:cSld>
+  <p:clrMapOvr>
+    <a:masterClrMapping/>
+  </p:clrMapOvr>
+</p:sld>
+</file>
+
+<file path=ppt/slides/slide12.xml><?xml version="1.0" encoding="utf-8"?>
+<p:sld xmlns:a="http://schemas.openxmlformats.org/drawingml/2006/main" xmlns:r="http://schemas.openxmlformats.org/officeDocument/2006/relationships" xmlns:p="http://schemas.openxmlformats.org/presentationml/2006/main">
+  <p:cSld>
+    <p:spTree>
+      <p:nvGrpSpPr>
+        <p:cNvPr id="1" name=""/>
+        <p:cNvGrpSpPr/>
+        <p:nvPr/>
+      </p:nvGrpSpPr>
+      <p:grpSpPr>
+        <a:xfrm>
+          <a:off x="0" y="0"/>
+          <a:ext cx="0" cy="0"/>
+          <a:chOff x="0" y="0"/>
+          <a:chExt cx="0" cy="0"/>
+        </a:xfrm>
+      </p:grpSpPr>
+      <p:sp>
+        <p:nvSpPr>
+          <p:cNvPr id="8" name="标题 7"/>
+          <p:cNvSpPr>
+            <a:spLocks noGrp="1"/>
+          </p:cNvSpPr>
+          <p:nvPr>
+            <p:ph type="title"/>
+          </p:nvPr>
+        </p:nvSpPr>
+        <p:spPr/>
+        <p:txBody>
+          <a:bodyPr/>
+          <a:lstStyle/>
+          <a:p>
+            <a:r>
+              <a:rPr lang="zh-CN" altLang="en-US" dirty="0"/>
+              <a:t>原生类型</a:t>
+            </a:r>
+            <a:r>
+              <a:rPr lang="en-US" altLang="zh-CN" dirty="0"/>
+              <a:t>Primitives</a:t>
+            </a:r>
+            <a:endParaRPr lang="zh-CN" altLang="en-US" dirty="0"/>
+          </a:p>
+        </p:txBody>
+      </p:sp>
+      <p:sp>
+        <p:nvSpPr>
+          <p:cNvPr id="6" name="文本占位符 5"/>
+          <p:cNvSpPr>
+            <a:spLocks noGrp="1"/>
+          </p:cNvSpPr>
+          <p:nvPr>
+            <p:ph type="body" sz="quarter" idx="13"/>
+          </p:nvPr>
+        </p:nvSpPr>
+        <p:spPr/>
+        <p:txBody>
+          <a:bodyPr/>
+          <a:lstStyle/>
+          <a:p>
+            <a:r>
+              <a:rPr lang="zh-CN" altLang="en-US" dirty="0"/>
+              <a:t>扩展 </a:t>
+            </a:r>
+            <a:r>
+              <a:rPr lang="en-US" altLang="zh-CN" dirty="0"/>
+              <a:t>JDK </a:t>
+            </a:r>
+            <a:r>
+              <a:rPr lang="zh-CN" altLang="en-US" dirty="0"/>
+              <a:t>未提供的原生类型（如</a:t>
+            </a:r>
+            <a:r>
+              <a:rPr lang="en-US" altLang="zh-CN" dirty="0"/>
+              <a:t>int</a:t>
+            </a:r>
+            <a:r>
+              <a:rPr lang="zh-CN" altLang="en-US" dirty="0"/>
+              <a:t>、</a:t>
+            </a:r>
+            <a:r>
+              <a:rPr lang="en-US" altLang="zh-CN" dirty="0"/>
+              <a:t>char</a:t>
+            </a:r>
+            <a:r>
+              <a:rPr lang="zh-CN" altLang="en-US" dirty="0"/>
+              <a:t>）操作， 包括某些类型的无符号形式</a:t>
+            </a:r>
+          </a:p>
+        </p:txBody>
+      </p:sp>
+      <p:sp>
+        <p:nvSpPr>
+          <p:cNvPr id="9" name="文本占位符 8"/>
+          <p:cNvSpPr>
+            <a:spLocks noGrp="1"/>
+          </p:cNvSpPr>
+          <p:nvPr>
+            <p:ph type="body" sz="quarter" idx="14"/>
+          </p:nvPr>
+        </p:nvSpPr>
+        <p:spPr/>
+        <p:txBody>
+          <a:bodyPr/>
+          <a:lstStyle/>
+          <a:p>
+            <a:r>
+              <a:rPr lang="en-US" altLang="zh-CN" dirty="0"/>
+              <a:t>07</a:t>
+            </a:r>
+            <a:endParaRPr lang="zh-CN" altLang="en-US" dirty="0"/>
+          </a:p>
+        </p:txBody>
+      </p:sp>
+    </p:spTree>
+    <p:extLst>
+      <p:ext uri="{BB962C8B-B14F-4D97-AF65-F5344CB8AC3E}">
+        <p14:creationId xmlns:p14="http://schemas.microsoft.com/office/powerpoint/2010/main" val="2065244716"/>
+      </p:ext>
+    </p:extLst>
+  </p:cSld>
+  <p:clrMapOvr>
+    <a:masterClrMapping/>
+  </p:clrMapOvr>
+</p:sld>
+</file>
+
+<file path=ppt/slides/slide13.xml><?xml version="1.0" encoding="utf-8"?>
+<p:sld xmlns:a="http://schemas.openxmlformats.org/drawingml/2006/main" xmlns:r="http://schemas.openxmlformats.org/officeDocument/2006/relationships" xmlns:p="http://schemas.openxmlformats.org/presentationml/2006/main">
+  <p:cSld>
+    <p:spTree>
+      <p:nvGrpSpPr>
+        <p:cNvPr id="1" name=""/>
+        <p:cNvGrpSpPr/>
+        <p:nvPr/>
+      </p:nvGrpSpPr>
+      <p:grpSpPr>
+        <a:xfrm>
+          <a:off x="0" y="0"/>
+          <a:ext cx="0" cy="0"/>
+          <a:chOff x="0" y="0"/>
+          <a:chExt cx="0" cy="0"/>
+        </a:xfrm>
+      </p:grpSpPr>
+      <p:sp>
+        <p:nvSpPr>
+          <p:cNvPr id="8" name="标题 7"/>
+          <p:cNvSpPr>
+            <a:spLocks noGrp="1"/>
+          </p:cNvSpPr>
+          <p:nvPr>
+            <p:ph type="title"/>
+          </p:nvPr>
+        </p:nvSpPr>
+        <p:spPr/>
+        <p:txBody>
+          <a:bodyPr>
+            <a:normAutofit/>
+          </a:bodyPr>
+          <a:lstStyle/>
+          <a:p>
+            <a:r>
+              <a:rPr lang="zh-CN" altLang="en-US" dirty="0"/>
+              <a:t>区间</a:t>
+            </a:r>
+            <a:br>
+              <a:rPr lang="en-US" altLang="zh-CN" dirty="0"/>
+            </a:br>
+            <a:r>
+              <a:rPr lang="en-US" altLang="zh-CN" dirty="0"/>
+              <a:t>Ranges</a:t>
+            </a:r>
+            <a:endParaRPr lang="zh-CN" altLang="en-US" dirty="0"/>
+          </a:p>
+        </p:txBody>
+      </p:sp>
+      <p:sp>
+        <p:nvSpPr>
+          <p:cNvPr id="6" name="文本占位符 5"/>
+          <p:cNvSpPr>
+            <a:spLocks noGrp="1"/>
+          </p:cNvSpPr>
+          <p:nvPr>
+            <p:ph type="body" sz="quarter" idx="13"/>
+          </p:nvPr>
+        </p:nvSpPr>
+        <p:spPr/>
+        <p:txBody>
+          <a:bodyPr/>
+          <a:lstStyle/>
+          <a:p>
+            <a:r>
+              <a:rPr lang="zh-CN" altLang="en-US" dirty="0"/>
+              <a:t>可比较类型的区间</a:t>
+            </a:r>
+            <a:r>
+              <a:rPr lang="en-US" altLang="zh-CN" dirty="0"/>
+              <a:t>API</a:t>
+            </a:r>
+            <a:r>
+              <a:rPr lang="zh-CN" altLang="en-US" dirty="0"/>
+              <a:t>，包括连续和离散类型</a:t>
+            </a:r>
+          </a:p>
+        </p:txBody>
+      </p:sp>
+      <p:sp>
+        <p:nvSpPr>
+          <p:cNvPr id="9" name="文本占位符 8"/>
+          <p:cNvSpPr>
+            <a:spLocks noGrp="1"/>
+          </p:cNvSpPr>
+          <p:nvPr>
+            <p:ph type="body" sz="quarter" idx="14"/>
+          </p:nvPr>
+        </p:nvSpPr>
+        <p:spPr/>
+        <p:txBody>
+          <a:bodyPr/>
+          <a:lstStyle/>
+          <a:p>
+            <a:r>
+              <a:rPr lang="en-US" altLang="zh-CN" dirty="0"/>
+              <a:t>08</a:t>
+            </a:r>
+            <a:endParaRPr lang="zh-CN" altLang="en-US" dirty="0"/>
+          </a:p>
+        </p:txBody>
+      </p:sp>
+    </p:spTree>
+    <p:extLst>
+      <p:ext uri="{BB962C8B-B14F-4D97-AF65-F5344CB8AC3E}">
+        <p14:creationId xmlns:p14="http://schemas.microsoft.com/office/powerpoint/2010/main" val="3065050843"/>
+      </p:ext>
+    </p:extLst>
+  </p:cSld>
+  <p:clrMapOvr>
+    <a:masterClrMapping/>
+  </p:clrMapOvr>
+</p:sld>
+</file>
+
+<file path=ppt/slides/slide14.xml><?xml version="1.0" encoding="utf-8"?>
+<p:sld xmlns:a="http://schemas.openxmlformats.org/drawingml/2006/main" xmlns:r="http://schemas.openxmlformats.org/officeDocument/2006/relationships" xmlns:p="http://schemas.openxmlformats.org/presentationml/2006/main">
+  <p:cSld>
+    <p:spTree>
+      <p:nvGrpSpPr>
+        <p:cNvPr id="1" name=""/>
+        <p:cNvGrpSpPr/>
+        <p:nvPr/>
+      </p:nvGrpSpPr>
+      <p:grpSpPr>
+        <a:xfrm>
+          <a:off x="0" y="0"/>
+          <a:ext cx="0" cy="0"/>
+          <a:chOff x="0" y="0"/>
+          <a:chExt cx="0" cy="0"/>
+        </a:xfrm>
+      </p:grpSpPr>
+      <p:sp>
+        <p:nvSpPr>
+          <p:cNvPr id="8" name="标题 7"/>
+          <p:cNvSpPr>
+            <a:spLocks noGrp="1"/>
+          </p:cNvSpPr>
+          <p:nvPr>
+            <p:ph type="title"/>
+          </p:nvPr>
+        </p:nvSpPr>
+        <p:spPr/>
+        <p:txBody>
+          <a:bodyPr/>
+          <a:lstStyle/>
+          <a:p>
+            <a:r>
+              <a:rPr lang="en-US" altLang="zh-CN" dirty="0"/>
+              <a:t>I/o</a:t>
+            </a:r>
+            <a:br>
+              <a:rPr lang="zh-CN" altLang="en-US" dirty="0"/>
+            </a:br>
+            <a:endParaRPr lang="zh-CN" altLang="en-US" dirty="0"/>
+          </a:p>
+        </p:txBody>
+      </p:sp>
+      <p:sp>
+        <p:nvSpPr>
+          <p:cNvPr id="6" name="文本占位符 5"/>
+          <p:cNvSpPr>
+            <a:spLocks noGrp="1"/>
+          </p:cNvSpPr>
+          <p:nvPr>
+            <p:ph type="body" sz="quarter" idx="13"/>
+          </p:nvPr>
+        </p:nvSpPr>
+        <p:spPr/>
+        <p:txBody>
+          <a:bodyPr/>
+          <a:lstStyle/>
+          <a:p>
+            <a:r>
+              <a:rPr lang="zh-CN" altLang="en-US" dirty="0"/>
+              <a:t>简化</a:t>
+            </a:r>
+            <a:r>
+              <a:rPr lang="en-US" altLang="zh-CN" dirty="0"/>
+              <a:t>I/O</a:t>
+            </a:r>
+            <a:r>
+              <a:rPr lang="zh-CN" altLang="en-US" dirty="0"/>
+              <a:t>尤其是</a:t>
+            </a:r>
+            <a:r>
+              <a:rPr lang="en-US" altLang="zh-CN" dirty="0"/>
+              <a:t>I/O</a:t>
+            </a:r>
+            <a:r>
+              <a:rPr lang="zh-CN" altLang="en-US" dirty="0"/>
+              <a:t>流和文件的操作，针对</a:t>
+            </a:r>
+            <a:r>
+              <a:rPr lang="en-US" altLang="zh-CN" dirty="0"/>
+              <a:t>Java5</a:t>
+            </a:r>
+            <a:r>
+              <a:rPr lang="zh-CN" altLang="en-US" dirty="0"/>
+              <a:t>和</a:t>
+            </a:r>
+            <a:r>
+              <a:rPr lang="en-US" altLang="zh-CN" dirty="0"/>
+              <a:t>6</a:t>
+            </a:r>
+            <a:r>
+              <a:rPr lang="zh-CN" altLang="en-US" dirty="0"/>
+              <a:t>版本</a:t>
+            </a:r>
+          </a:p>
+        </p:txBody>
+      </p:sp>
+      <p:sp>
+        <p:nvSpPr>
+          <p:cNvPr id="9" name="文本占位符 8"/>
+          <p:cNvSpPr>
+            <a:spLocks noGrp="1"/>
+          </p:cNvSpPr>
+          <p:nvPr>
+            <p:ph type="body" sz="quarter" idx="14"/>
+          </p:nvPr>
+        </p:nvSpPr>
+        <p:spPr/>
+        <p:txBody>
+          <a:bodyPr/>
+          <a:lstStyle/>
+          <a:p>
+            <a:r>
+              <a:rPr lang="en-US" altLang="zh-CN" dirty="0"/>
+              <a:t>09</a:t>
+            </a:r>
+            <a:endParaRPr lang="zh-CN" altLang="en-US" dirty="0"/>
+          </a:p>
+        </p:txBody>
+      </p:sp>
+    </p:spTree>
+    <p:extLst>
+      <p:ext uri="{BB962C8B-B14F-4D97-AF65-F5344CB8AC3E}">
+        <p14:creationId xmlns:p14="http://schemas.microsoft.com/office/powerpoint/2010/main" val="3359504855"/>
+      </p:ext>
+    </p:extLst>
+  </p:cSld>
+  <p:clrMapOvr>
+    <a:masterClrMapping/>
+  </p:clrMapOvr>
+</p:sld>
+</file>
+
+<file path=ppt/slides/slide15.xml><?xml version="1.0" encoding="utf-8"?>
+<p:sld xmlns:a="http://schemas.openxmlformats.org/drawingml/2006/main" xmlns:r="http://schemas.openxmlformats.org/officeDocument/2006/relationships" xmlns:p="http://schemas.openxmlformats.org/presentationml/2006/main">
+  <p:cSld>
+    <p:spTree>
+      <p:nvGrpSpPr>
+        <p:cNvPr id="1" name=""/>
+        <p:cNvGrpSpPr/>
+        <p:nvPr/>
+      </p:nvGrpSpPr>
+      <p:grpSpPr>
+        <a:xfrm>
+          <a:off x="0" y="0"/>
+          <a:ext cx="0" cy="0"/>
+          <a:chOff x="0" y="0"/>
+          <a:chExt cx="0" cy="0"/>
+        </a:xfrm>
+      </p:grpSpPr>
+      <p:sp>
+        <p:nvSpPr>
+          <p:cNvPr id="8" name="标题 7"/>
+          <p:cNvSpPr>
+            <a:spLocks noGrp="1"/>
+          </p:cNvSpPr>
+          <p:nvPr>
+            <p:ph type="title"/>
+          </p:nvPr>
+        </p:nvSpPr>
+        <p:spPr/>
+        <p:txBody>
+          <a:bodyPr/>
+          <a:lstStyle/>
+          <a:p>
+            <a:r>
+              <a:rPr lang="zh-CN" altLang="en-US" dirty="0"/>
+              <a:t> 散列</a:t>
+            </a:r>
+            <a:br>
+              <a:rPr lang="en-US" altLang="zh-CN" dirty="0"/>
+            </a:br>
+            <a:r>
+              <a:rPr lang="en-US" altLang="zh-CN" dirty="0"/>
+              <a:t>Hash</a:t>
+            </a:r>
+            <a:endParaRPr lang="zh-CN" altLang="en-US" dirty="0"/>
+          </a:p>
+        </p:txBody>
+      </p:sp>
+      <p:sp>
+        <p:nvSpPr>
+          <p:cNvPr id="6" name="文本占位符 5"/>
+          <p:cNvSpPr>
+            <a:spLocks noGrp="1"/>
+          </p:cNvSpPr>
+          <p:nvPr>
+            <p:ph type="body" sz="quarter" idx="13"/>
+          </p:nvPr>
+        </p:nvSpPr>
+        <p:spPr/>
+        <p:txBody>
+          <a:bodyPr/>
+          <a:lstStyle/>
+          <a:p>
+            <a:r>
+              <a:rPr lang="zh-CN" altLang="en-US" dirty="0"/>
+              <a:t>提供比</a:t>
+            </a:r>
+            <a:r>
+              <a:rPr lang="en-US" altLang="zh-CN" dirty="0"/>
+              <a:t>Object.hashCode()</a:t>
+            </a:r>
+            <a:r>
+              <a:rPr lang="zh-CN" altLang="en-US" dirty="0"/>
+              <a:t>更复杂的散列实现，并提供布鲁姆过滤器的实现</a:t>
+            </a:r>
+          </a:p>
+        </p:txBody>
+      </p:sp>
+      <p:sp>
+        <p:nvSpPr>
+          <p:cNvPr id="9" name="文本占位符 8"/>
+          <p:cNvSpPr>
+            <a:spLocks noGrp="1"/>
+          </p:cNvSpPr>
+          <p:nvPr>
+            <p:ph type="body" sz="quarter" idx="14"/>
+          </p:nvPr>
+        </p:nvSpPr>
+        <p:spPr/>
+        <p:txBody>
+          <a:bodyPr/>
+          <a:lstStyle/>
+          <a:p>
+            <a:r>
+              <a:rPr lang="en-US" altLang="zh-CN" dirty="0"/>
+              <a:t>10</a:t>
+            </a:r>
+            <a:endParaRPr lang="zh-CN" altLang="en-US" dirty="0"/>
+          </a:p>
+        </p:txBody>
+      </p:sp>
+    </p:spTree>
+    <p:extLst>
+      <p:ext uri="{BB962C8B-B14F-4D97-AF65-F5344CB8AC3E}">
+        <p14:creationId xmlns:p14="http://schemas.microsoft.com/office/powerpoint/2010/main" val="1133101520"/>
+      </p:ext>
+    </p:extLst>
+  </p:cSld>
+  <p:clrMapOvr>
+    <a:masterClrMapping/>
+  </p:clrMapOvr>
+</p:sld>
+</file>
+
+<file path=ppt/slides/slide16.xml><?xml version="1.0" encoding="utf-8"?>
+<p:sld xmlns:a="http://schemas.openxmlformats.org/drawingml/2006/main" xmlns:r="http://schemas.openxmlformats.org/officeDocument/2006/relationships" xmlns:p="http://schemas.openxmlformats.org/presentationml/2006/main">
+  <p:cSld>
+    <p:spTree>
+      <p:nvGrpSpPr>
+        <p:cNvPr id="1" name=""/>
+        <p:cNvGrpSpPr/>
+        <p:nvPr/>
+      </p:nvGrpSpPr>
+      <p:grpSpPr>
+        <a:xfrm>
+          <a:off x="0" y="0"/>
+          <a:ext cx="0" cy="0"/>
+          <a:chOff x="0" y="0"/>
+          <a:chExt cx="0" cy="0"/>
+        </a:xfrm>
+      </p:grpSpPr>
+      <p:sp>
+        <p:nvSpPr>
+          <p:cNvPr id="8" name="标题 7"/>
+          <p:cNvSpPr>
+            <a:spLocks noGrp="1"/>
+          </p:cNvSpPr>
+          <p:nvPr>
+            <p:ph type="title"/>
+          </p:nvPr>
+        </p:nvSpPr>
+        <p:spPr/>
+        <p:txBody>
+          <a:bodyPr/>
+          <a:lstStyle/>
+          <a:p>
+            <a:r>
+              <a:rPr lang="zh-CN" altLang="en-US" dirty="0"/>
+              <a:t>事件总线</a:t>
+            </a:r>
+            <a:r>
+              <a:rPr lang="en-US" altLang="zh-CN" dirty="0"/>
+              <a:t>EventBus</a:t>
+            </a:r>
+            <a:endParaRPr lang="zh-CN" altLang="en-US" dirty="0"/>
+          </a:p>
+        </p:txBody>
+      </p:sp>
+      <p:sp>
+        <p:nvSpPr>
+          <p:cNvPr id="6" name="文本占位符 5"/>
+          <p:cNvSpPr>
+            <a:spLocks noGrp="1"/>
+          </p:cNvSpPr>
+          <p:nvPr>
+            <p:ph type="body" sz="quarter" idx="13"/>
+          </p:nvPr>
+        </p:nvSpPr>
+        <p:spPr/>
+        <p:txBody>
+          <a:bodyPr/>
+          <a:lstStyle/>
+          <a:p>
+            <a:r>
+              <a:rPr lang="zh-CN" altLang="en-US" dirty="0"/>
+              <a:t>发布</a:t>
+            </a:r>
+            <a:r>
+              <a:rPr lang="en-US" altLang="zh-CN" dirty="0"/>
+              <a:t>-</a:t>
+            </a:r>
+            <a:r>
+              <a:rPr lang="zh-CN" altLang="en-US" dirty="0"/>
+              <a:t>订阅模式的组件通信，但组件不需要显式地注册到其他组件中</a:t>
+            </a:r>
+          </a:p>
+        </p:txBody>
+      </p:sp>
+      <p:sp>
+        <p:nvSpPr>
+          <p:cNvPr id="9" name="文本占位符 8"/>
+          <p:cNvSpPr>
+            <a:spLocks noGrp="1"/>
+          </p:cNvSpPr>
+          <p:nvPr>
+            <p:ph type="body" sz="quarter" idx="14"/>
+          </p:nvPr>
+        </p:nvSpPr>
+        <p:spPr/>
+        <p:txBody>
+          <a:bodyPr/>
+          <a:lstStyle/>
+          <a:p>
+            <a:r>
+              <a:rPr lang="en-US" altLang="zh-CN" dirty="0"/>
+              <a:t>11</a:t>
+            </a:r>
+            <a:endParaRPr lang="zh-CN" altLang="en-US" dirty="0"/>
+          </a:p>
+        </p:txBody>
+      </p:sp>
+    </p:spTree>
+    <p:extLst>
+      <p:ext uri="{BB962C8B-B14F-4D97-AF65-F5344CB8AC3E}">
+        <p14:creationId xmlns:p14="http://schemas.microsoft.com/office/powerpoint/2010/main" val="2410405684"/>
+      </p:ext>
+    </p:extLst>
+  </p:cSld>
+  <p:clrMapOvr>
+    <a:masterClrMapping/>
+  </p:clrMapOvr>
+</p:sld>
+</file>
+
+<file path=ppt/slides/slide17.xml><?xml version="1.0" encoding="utf-8"?>
+<p:sld xmlns:a="http://schemas.openxmlformats.org/drawingml/2006/main" xmlns:r="http://schemas.openxmlformats.org/officeDocument/2006/relationships" xmlns:p="http://schemas.openxmlformats.org/presentationml/2006/main">
+  <p:cSld>
+    <p:spTree>
+      <p:nvGrpSpPr>
+        <p:cNvPr id="1" name=""/>
+        <p:cNvGrpSpPr/>
+        <p:nvPr/>
+      </p:nvGrpSpPr>
+      <p:grpSpPr>
+        <a:xfrm>
+          <a:off x="0" y="0"/>
+          <a:ext cx="0" cy="0"/>
+          <a:chOff x="0" y="0"/>
+          <a:chExt cx="0" cy="0"/>
+        </a:xfrm>
+      </p:grpSpPr>
+      <p:sp>
+        <p:nvSpPr>
+          <p:cNvPr id="8" name="标题 7"/>
+          <p:cNvSpPr>
+            <a:spLocks noGrp="1"/>
+          </p:cNvSpPr>
+          <p:nvPr>
+            <p:ph type="title"/>
+          </p:nvPr>
+        </p:nvSpPr>
+        <p:spPr/>
+        <p:txBody>
+          <a:bodyPr/>
+          <a:lstStyle/>
+          <a:p>
+            <a:r>
+              <a:rPr lang="zh-CN" altLang="en-US" dirty="0"/>
+              <a:t>数学运算</a:t>
+            </a:r>
+            <a:br>
+              <a:rPr lang="en-US" altLang="zh-CN" dirty="0"/>
+            </a:br>
+            <a:r>
+              <a:rPr lang="en-US" altLang="zh-CN" dirty="0"/>
+              <a:t>Math</a:t>
+            </a:r>
+            <a:endParaRPr lang="zh-CN" altLang="en-US" dirty="0"/>
+          </a:p>
+        </p:txBody>
+      </p:sp>
+      <p:sp>
+        <p:nvSpPr>
+          <p:cNvPr id="6" name="文本占位符 5"/>
+          <p:cNvSpPr>
+            <a:spLocks noGrp="1"/>
+          </p:cNvSpPr>
+          <p:nvPr>
+            <p:ph type="body" sz="quarter" idx="13"/>
+          </p:nvPr>
+        </p:nvSpPr>
+        <p:spPr/>
+        <p:txBody>
+          <a:bodyPr/>
+          <a:lstStyle/>
+          <a:p>
+            <a:r>
+              <a:rPr lang="zh-CN" altLang="en-US" dirty="0"/>
+              <a:t>优化的、充分测试的数学工具类</a:t>
+            </a:r>
+          </a:p>
+        </p:txBody>
+      </p:sp>
+      <p:sp>
+        <p:nvSpPr>
+          <p:cNvPr id="9" name="文本占位符 8"/>
+          <p:cNvSpPr>
+            <a:spLocks noGrp="1"/>
+          </p:cNvSpPr>
+          <p:nvPr>
+            <p:ph type="body" sz="quarter" idx="14"/>
+          </p:nvPr>
+        </p:nvSpPr>
+        <p:spPr/>
+        <p:txBody>
+          <a:bodyPr/>
+          <a:lstStyle/>
+          <a:p>
+            <a:r>
+              <a:rPr lang="en-US" altLang="zh-CN" dirty="0"/>
+              <a:t>12</a:t>
+            </a:r>
+            <a:endParaRPr lang="zh-CN" altLang="en-US" dirty="0"/>
+          </a:p>
+        </p:txBody>
+      </p:sp>
+    </p:spTree>
+    <p:extLst>
+      <p:ext uri="{BB962C8B-B14F-4D97-AF65-F5344CB8AC3E}">
+        <p14:creationId xmlns:p14="http://schemas.microsoft.com/office/powerpoint/2010/main" val="3964344473"/>
+      </p:ext>
+    </p:extLst>
+  </p:cSld>
+  <p:clrMapOvr>
+    <a:masterClrMapping/>
+  </p:clrMapOvr>
+</p:sld>
+</file>
+
+<file path=ppt/slides/slide18.xml><?xml version="1.0" encoding="utf-8"?>
+<p:sld xmlns:a="http://schemas.openxmlformats.org/drawingml/2006/main" xmlns:r="http://schemas.openxmlformats.org/officeDocument/2006/relationships" xmlns:p="http://schemas.openxmlformats.org/presentationml/2006/main">
+  <p:cSld>
+    <p:spTree>
+      <p:nvGrpSpPr>
+        <p:cNvPr id="1" name=""/>
+        <p:cNvGrpSpPr/>
+        <p:nvPr/>
+      </p:nvGrpSpPr>
+      <p:grpSpPr>
+        <a:xfrm>
+          <a:off x="0" y="0"/>
+          <a:ext cx="0" cy="0"/>
+          <a:chOff x="0" y="0"/>
+          <a:chExt cx="0" cy="0"/>
+        </a:xfrm>
+      </p:grpSpPr>
+      <p:sp>
+        <p:nvSpPr>
+          <p:cNvPr id="8" name="标题 7"/>
+          <p:cNvSpPr>
+            <a:spLocks noGrp="1"/>
+          </p:cNvSpPr>
+          <p:nvPr>
+            <p:ph type="title"/>
+          </p:nvPr>
+        </p:nvSpPr>
+        <p:spPr/>
+        <p:txBody>
+          <a:bodyPr/>
+          <a:lstStyle/>
+          <a:p>
+            <a:r>
+              <a:rPr lang="zh-CN" altLang="en-US" dirty="0"/>
+              <a:t>反射</a:t>
+            </a:r>
+            <a:br>
+              <a:rPr lang="en-US" altLang="zh-CN" dirty="0"/>
+            </a:br>
+            <a:r>
+              <a:rPr lang="en-US" altLang="zh-CN" dirty="0"/>
+              <a:t>Reflection</a:t>
+            </a:r>
+            <a:endParaRPr lang="zh-CN" altLang="en-US" dirty="0"/>
+          </a:p>
+        </p:txBody>
+      </p:sp>
+      <p:sp>
+        <p:nvSpPr>
+          <p:cNvPr id="6" name="文本占位符 5"/>
+          <p:cNvSpPr>
+            <a:spLocks noGrp="1"/>
+          </p:cNvSpPr>
+          <p:nvPr>
+            <p:ph type="body" sz="quarter" idx="13"/>
+          </p:nvPr>
+        </p:nvSpPr>
+        <p:spPr/>
+        <p:txBody>
+          <a:bodyPr/>
+          <a:lstStyle/>
+          <a:p>
+            <a:r>
+              <a:rPr lang="en-US" altLang="zh-CN" dirty="0"/>
+              <a:t>Guava </a:t>
+            </a:r>
+            <a:r>
+              <a:rPr lang="zh-CN" altLang="en-US" dirty="0"/>
+              <a:t>的 </a:t>
+            </a:r>
+            <a:r>
+              <a:rPr lang="en-US" altLang="zh-CN" dirty="0"/>
+              <a:t>Java </a:t>
+            </a:r>
+            <a:r>
+              <a:rPr lang="zh-CN" altLang="en-US" dirty="0"/>
+              <a:t>反射机制工具类</a:t>
+            </a:r>
+          </a:p>
+        </p:txBody>
+      </p:sp>
+      <p:sp>
+        <p:nvSpPr>
+          <p:cNvPr id="9" name="文本占位符 8"/>
+          <p:cNvSpPr>
+            <a:spLocks noGrp="1"/>
+          </p:cNvSpPr>
+          <p:nvPr>
+            <p:ph type="body" sz="quarter" idx="14"/>
+          </p:nvPr>
+        </p:nvSpPr>
+        <p:spPr/>
+        <p:txBody>
+          <a:bodyPr/>
+          <a:lstStyle/>
+          <a:p>
+            <a:r>
+              <a:rPr lang="en-US" altLang="zh-CN" dirty="0"/>
+              <a:t>13</a:t>
+            </a:r>
+            <a:endParaRPr lang="zh-CN" altLang="en-US" dirty="0"/>
+          </a:p>
+        </p:txBody>
+      </p:sp>
+    </p:spTree>
+    <p:extLst>
+      <p:ext uri="{BB962C8B-B14F-4D97-AF65-F5344CB8AC3E}">
+        <p14:creationId xmlns:p14="http://schemas.microsoft.com/office/powerpoint/2010/main" val="1688479900"/>
+      </p:ext>
+    </p:extLst>
+  </p:cSld>
+  <p:clrMapOvr>
+    <a:masterClrMapping/>
+  </p:clrMapOvr>
+</p:sld>
+</file>
+
+<file path=ppt/slides/slide19.xml><?xml version="1.0" encoding="utf-8"?>
+<p:sld xmlns:a="http://schemas.openxmlformats.org/drawingml/2006/main" xmlns:r="http://schemas.openxmlformats.org/officeDocument/2006/relationships" xmlns:p="http://schemas.openxmlformats.org/presentationml/2006/main">
+  <p:cSld>
     <p:spTree>
       <p:nvGrpSpPr>
         <p:cNvPr id="1" name=""/>
@@ -11583,7 +12620,370 @@
     </p:spTree>
     <p:extLst>
       <p:ext uri="{BB962C8B-B14F-4D97-AF65-F5344CB8AC3E}">
-        <p14:creationId xmlns:p14="http://schemas.microsoft.com/office/powerpoint/2010/main" val="2030903264"/>
+        <p14:creationId xmlns:p14="http://schemas.microsoft.com/office/powerpoint/2010/main" val="791654222"/>
+      </p:ext>
+    </p:extLst>
+  </p:cSld>
+  <p:clrMapOvr>
+    <a:masterClrMapping/>
+  </p:clrMapOvr>
+</p:sld>
+</file>
+
+<file path=ppt/slides/slide2.xml><?xml version="1.0" encoding="utf-8"?>
+<p:sld xmlns:a="http://schemas.openxmlformats.org/drawingml/2006/main" xmlns:r="http://schemas.openxmlformats.org/officeDocument/2006/relationships" xmlns:p="http://schemas.openxmlformats.org/presentationml/2006/main">
+  <p:cSld>
+    <p:spTree>
+      <p:nvGrpSpPr>
+        <p:cNvPr id="1" name=""/>
+        <p:cNvGrpSpPr/>
+        <p:nvPr/>
+      </p:nvGrpSpPr>
+      <p:grpSpPr>
+        <a:xfrm>
+          <a:off x="0" y="0"/>
+          <a:ext cx="0" cy="0"/>
+          <a:chOff x="0" y="0"/>
+          <a:chExt cx="0" cy="0"/>
+        </a:xfrm>
+      </p:grpSpPr>
+      <p:sp>
+        <p:nvSpPr>
+          <p:cNvPr id="5" name="文本占位符 4"/>
+          <p:cNvSpPr>
+            <a:spLocks noGrp="1"/>
+          </p:cNvSpPr>
+          <p:nvPr>
+            <p:ph type="body" sz="quarter" idx="10"/>
+          </p:nvPr>
+        </p:nvSpPr>
+        <p:spPr>
+          <a:xfrm>
+            <a:off x="162032" y="974091"/>
+            <a:ext cx="6979775" cy="517247"/>
+          </a:xfrm>
+        </p:spPr>
+        <p:txBody>
+          <a:bodyPr>
+            <a:noAutofit/>
+          </a:bodyPr>
+          <a:lstStyle/>
+          <a:p>
+            <a:r>
+              <a:rPr lang="zh-CN" altLang="en-US" sz="2400" dirty="0">
+                <a:solidFill>
+                  <a:srgbClr val="CC3300"/>
+                </a:solidFill>
+              </a:rPr>
+              <a:t>课程概要</a:t>
+            </a:r>
+            <a:endParaRPr lang="zh-CN" altLang="en-US" sz="2400" dirty="0"/>
+          </a:p>
+        </p:txBody>
+      </p:sp>
+      <p:sp>
+        <p:nvSpPr>
+          <p:cNvPr id="6" name="矩形 5">
+            <a:extLst>
+              <a:ext uri="{FF2B5EF4-FFF2-40B4-BE49-F238E27FC236}">
+                <a16:creationId xmlns:a16="http://schemas.microsoft.com/office/drawing/2014/main" id="{83304FDB-134D-4129-BD53-567681123E97}"/>
+              </a:ext>
+            </a:extLst>
+          </p:cNvPr>
+          <p:cNvSpPr/>
+          <p:nvPr/>
+        </p:nvSpPr>
+        <p:spPr>
+          <a:xfrm>
+            <a:off x="4890120" y="1903741"/>
+            <a:ext cx="3777067" cy="3368102"/>
+          </a:xfrm>
+          <a:prstGeom prst="rect">
+            <a:avLst/>
+          </a:prstGeom>
+        </p:spPr>
+        <p:txBody>
+          <a:bodyPr wrap="square">
+            <a:spAutoFit/>
+          </a:bodyPr>
+          <a:lstStyle/>
+          <a:p>
+            <a:pPr marL="457200" indent="-457200" defTabSz="914400">
+              <a:lnSpc>
+                <a:spcPct val="90000"/>
+              </a:lnSpc>
+              <a:spcBef>
+                <a:spcPts val="1000"/>
+              </a:spcBef>
+              <a:buFont typeface="+mj-lt"/>
+              <a:buAutoNum type="arabicPeriod"/>
+            </a:pPr>
+            <a:endParaRPr lang="en-US" altLang="zh-CN" sz="2800" dirty="0"/>
+          </a:p>
+          <a:p>
+            <a:pPr marL="514350" indent="-514350" defTabSz="914400">
+              <a:lnSpc>
+                <a:spcPct val="90000"/>
+              </a:lnSpc>
+              <a:spcBef>
+                <a:spcPts val="1000"/>
+              </a:spcBef>
+              <a:buFont typeface="+mj-lt"/>
+              <a:buAutoNum type="arabicPeriod" startAt="9"/>
+            </a:pPr>
+            <a:r>
+              <a:rPr lang="en-US" altLang="zh-CN" sz="2800" dirty="0"/>
+              <a:t>I/O</a:t>
+            </a:r>
+          </a:p>
+          <a:p>
+            <a:pPr marL="457200" indent="-457200" defTabSz="914400">
+              <a:lnSpc>
+                <a:spcPct val="90000"/>
+              </a:lnSpc>
+              <a:spcBef>
+                <a:spcPts val="1000"/>
+              </a:spcBef>
+              <a:buFont typeface="+mj-lt"/>
+              <a:buAutoNum type="arabicPeriod" startAt="9"/>
+            </a:pPr>
+            <a:r>
+              <a:rPr lang="zh-CN" altLang="en-US" sz="2800" dirty="0"/>
+              <a:t> 散列</a:t>
+            </a:r>
+          </a:p>
+          <a:p>
+            <a:pPr marL="457200" indent="-457200" defTabSz="914400">
+              <a:lnSpc>
+                <a:spcPct val="90000"/>
+              </a:lnSpc>
+              <a:spcBef>
+                <a:spcPts val="1000"/>
+              </a:spcBef>
+              <a:buFont typeface="+mj-lt"/>
+              <a:buAutoNum type="arabicPeriod" startAt="9"/>
+            </a:pPr>
+            <a:r>
+              <a:rPr lang="zh-CN" altLang="en-US" sz="2800" dirty="0"/>
+              <a:t>事件总线</a:t>
+            </a:r>
+          </a:p>
+          <a:p>
+            <a:pPr marL="457200" indent="-457200" defTabSz="914400">
+              <a:lnSpc>
+                <a:spcPct val="90000"/>
+              </a:lnSpc>
+              <a:spcBef>
+                <a:spcPts val="1000"/>
+              </a:spcBef>
+              <a:buFont typeface="+mj-lt"/>
+              <a:buAutoNum type="arabicPeriod" startAt="9"/>
+            </a:pPr>
+            <a:r>
+              <a:rPr lang="zh-CN" altLang="en-US" sz="2800" dirty="0"/>
+              <a:t> 数学运算</a:t>
+            </a:r>
+          </a:p>
+          <a:p>
+            <a:pPr marL="457200" indent="-457200" defTabSz="914400">
+              <a:lnSpc>
+                <a:spcPct val="90000"/>
+              </a:lnSpc>
+              <a:spcBef>
+                <a:spcPts val="1000"/>
+              </a:spcBef>
+              <a:buFont typeface="+mj-lt"/>
+              <a:buAutoNum type="arabicPeriod" startAt="9"/>
+            </a:pPr>
+            <a:r>
+              <a:rPr lang="zh-CN" altLang="en-US" sz="2800" dirty="0"/>
+              <a:t> 反射</a:t>
+            </a:r>
+          </a:p>
+          <a:p>
+            <a:pPr marL="457200" indent="-457200">
+              <a:buFont typeface="Wingdings" panose="05000000000000000000" pitchFamily="2" charset="2"/>
+              <a:buChar char="u"/>
+            </a:pPr>
+            <a:endParaRPr lang="en-US" altLang="zh-CN" sz="2000" b="1" dirty="0"/>
+          </a:p>
+        </p:txBody>
+      </p:sp>
+      <p:sp>
+        <p:nvSpPr>
+          <p:cNvPr id="7" name="矩形 6">
+            <a:extLst>
+              <a:ext uri="{FF2B5EF4-FFF2-40B4-BE49-F238E27FC236}">
+                <a16:creationId xmlns:a16="http://schemas.microsoft.com/office/drawing/2014/main" id="{D5AAED1C-BE5D-41AB-89B8-B370C1F9A345}"/>
+              </a:ext>
+            </a:extLst>
+          </p:cNvPr>
+          <p:cNvSpPr/>
+          <p:nvPr/>
+        </p:nvSpPr>
+        <p:spPr>
+          <a:xfrm>
+            <a:off x="476815" y="1903741"/>
+            <a:ext cx="3777067" cy="4400179"/>
+          </a:xfrm>
+          <a:prstGeom prst="rect">
+            <a:avLst/>
+          </a:prstGeom>
+        </p:spPr>
+        <p:txBody>
+          <a:bodyPr wrap="square">
+            <a:spAutoFit/>
+          </a:bodyPr>
+          <a:lstStyle/>
+          <a:p>
+            <a:pPr marL="457200" indent="-457200" defTabSz="914400">
+              <a:lnSpc>
+                <a:spcPct val="90000"/>
+              </a:lnSpc>
+              <a:spcBef>
+                <a:spcPts val="1000"/>
+              </a:spcBef>
+              <a:buFont typeface="+mj-lt"/>
+              <a:buAutoNum type="arabicPeriod"/>
+            </a:pPr>
+            <a:r>
+              <a:rPr lang="zh-CN" altLang="en-US" sz="2800" dirty="0"/>
+              <a:t>基本工具 </a:t>
+            </a:r>
+            <a:endParaRPr lang="en-US" altLang="zh-CN" sz="2800" dirty="0"/>
+          </a:p>
+          <a:p>
+            <a:pPr marL="457200" indent="-457200" defTabSz="914400">
+              <a:lnSpc>
+                <a:spcPct val="90000"/>
+              </a:lnSpc>
+              <a:spcBef>
+                <a:spcPts val="1000"/>
+              </a:spcBef>
+              <a:buFont typeface="+mj-lt"/>
+              <a:buAutoNum type="arabicPeriod"/>
+            </a:pPr>
+            <a:r>
+              <a:rPr lang="zh-CN" altLang="en-US" sz="2800" dirty="0"/>
+              <a:t>集合</a:t>
+            </a:r>
+            <a:endParaRPr lang="en-US" altLang="zh-CN" sz="2800" dirty="0"/>
+          </a:p>
+          <a:p>
+            <a:pPr marL="457200" indent="-457200" defTabSz="914400">
+              <a:lnSpc>
+                <a:spcPct val="90000"/>
+              </a:lnSpc>
+              <a:spcBef>
+                <a:spcPts val="1000"/>
+              </a:spcBef>
+              <a:buFont typeface="+mj-lt"/>
+              <a:buAutoNum type="arabicPeriod"/>
+            </a:pPr>
+            <a:r>
+              <a:rPr lang="zh-CN" altLang="en-US" sz="2800" dirty="0"/>
+              <a:t>缓存</a:t>
+            </a:r>
+            <a:endParaRPr lang="en-US" altLang="zh-CN" sz="2800" dirty="0"/>
+          </a:p>
+          <a:p>
+            <a:pPr marL="457200" indent="-457200" defTabSz="914400">
+              <a:lnSpc>
+                <a:spcPct val="90000"/>
+              </a:lnSpc>
+              <a:spcBef>
+                <a:spcPts val="1000"/>
+              </a:spcBef>
+              <a:buFont typeface="+mj-lt"/>
+              <a:buAutoNum type="arabicPeriod"/>
+            </a:pPr>
+            <a:r>
+              <a:rPr lang="zh-CN" altLang="en-US" sz="2800" dirty="0"/>
+              <a:t>函数式风格</a:t>
+            </a:r>
+            <a:endParaRPr lang="en-US" altLang="zh-CN" sz="2800" dirty="0"/>
+          </a:p>
+          <a:p>
+            <a:pPr marL="457200" indent="-457200" defTabSz="914400">
+              <a:lnSpc>
+                <a:spcPct val="90000"/>
+              </a:lnSpc>
+              <a:spcBef>
+                <a:spcPts val="1000"/>
+              </a:spcBef>
+              <a:buFont typeface="+mj-lt"/>
+              <a:buAutoNum type="arabicPeriod"/>
+            </a:pPr>
+            <a:r>
+              <a:rPr lang="zh-CN" altLang="en-US" sz="2800" dirty="0"/>
+              <a:t>并发</a:t>
+            </a:r>
+            <a:endParaRPr lang="en-US" altLang="zh-CN" sz="2800" dirty="0"/>
+          </a:p>
+          <a:p>
+            <a:pPr marL="457200" indent="-457200" defTabSz="914400">
+              <a:lnSpc>
+                <a:spcPct val="90000"/>
+              </a:lnSpc>
+              <a:spcBef>
+                <a:spcPts val="1000"/>
+              </a:spcBef>
+              <a:buFont typeface="+mj-lt"/>
+              <a:buAutoNum type="arabicPeriod"/>
+            </a:pPr>
+            <a:r>
+              <a:rPr lang="zh-CN" altLang="en-US" sz="2800" dirty="0"/>
+              <a:t>字符串处理</a:t>
+            </a:r>
+            <a:endParaRPr lang="en-US" altLang="zh-CN" sz="2800" dirty="0"/>
+          </a:p>
+          <a:p>
+            <a:pPr marL="457200" indent="-457200" defTabSz="914400">
+              <a:lnSpc>
+                <a:spcPct val="90000"/>
+              </a:lnSpc>
+              <a:spcBef>
+                <a:spcPts val="1000"/>
+              </a:spcBef>
+              <a:buFont typeface="+mj-lt"/>
+              <a:buAutoNum type="arabicPeriod"/>
+            </a:pPr>
+            <a:r>
+              <a:rPr lang="zh-CN" altLang="en-US" sz="2800" dirty="0"/>
+              <a:t>原生类型</a:t>
+            </a:r>
+            <a:endParaRPr lang="en-US" altLang="zh-CN" sz="2800" dirty="0"/>
+          </a:p>
+          <a:p>
+            <a:pPr marL="457200" indent="-457200" defTabSz="914400">
+              <a:lnSpc>
+                <a:spcPct val="90000"/>
+              </a:lnSpc>
+              <a:spcBef>
+                <a:spcPts val="1000"/>
+              </a:spcBef>
+              <a:buFont typeface="+mj-lt"/>
+              <a:buAutoNum type="arabicPeriod"/>
+            </a:pPr>
+            <a:r>
+              <a:rPr lang="zh-CN" altLang="en-US" sz="2800" dirty="0"/>
+              <a:t>区间</a:t>
+            </a:r>
+            <a:endParaRPr lang="en-US" altLang="zh-CN" sz="2800" dirty="0"/>
+          </a:p>
+          <a:p>
+            <a:pPr marL="457200" indent="-457200">
+              <a:buFont typeface="Wingdings" panose="05000000000000000000" pitchFamily="2" charset="2"/>
+              <a:buChar char="u"/>
+            </a:pPr>
+            <a:endParaRPr lang="zh-CN" altLang="en-US" sz="2000" b="1" dirty="0"/>
+          </a:p>
+        </p:txBody>
+      </p:sp>
+    </p:spTree>
+    <p:extLst>
+      <p:ext uri="{BB962C8B-B14F-4D97-AF65-F5344CB8AC3E}">
+        <p14:creationId xmlns:p14="http://schemas.microsoft.com/office/powerpoint/2010/main" val="2029427748"/>
       </p:ext>
     </p:extLst>
   </p:cSld>
@@ -11627,8 +13027,16 @@
           <a:p>
             <a:r>
               <a:rPr lang="zh-CN" altLang="en-US" dirty="0"/>
-              <a:t>主标题啊手动阀</a:t>
-            </a:r>
+              <a:t>基本工具 </a:t>
+            </a:r>
+            <a:br>
+              <a:rPr lang="zh-CN" altLang="en-US" dirty="0"/>
+            </a:br>
+            <a:r>
+              <a:rPr lang="en-US" altLang="zh-CN" dirty="0"/>
+              <a:t>Basic utilities</a:t>
+            </a:r>
+            <a:endParaRPr lang="zh-CN" altLang="en-US" dirty="0"/>
           </a:p>
         </p:txBody>
       </p:sp>
@@ -11649,7 +13057,15 @@
           <a:p>
             <a:r>
               <a:rPr lang="zh-CN" altLang="en-US" dirty="0"/>
-              <a:t>副标题</a:t>
+              <a:t>让使用</a:t>
+            </a:r>
+            <a:r>
+              <a:rPr lang="en-US" altLang="zh-CN" dirty="0"/>
+              <a:t>Java</a:t>
+            </a:r>
+            <a:r>
+              <a:rPr lang="zh-CN" altLang="en-US" dirty="0"/>
+              <a:t>语言变得更舒适</a:t>
             </a:r>
           </a:p>
         </p:txBody>
@@ -11693,6 +13109,14 @@
 <file path=ppt/slides/slide4.xml><?xml version="1.0" encoding="utf-8"?>
 <p:sld xmlns:a="http://schemas.openxmlformats.org/drawingml/2006/main" xmlns:r="http://schemas.openxmlformats.org/officeDocument/2006/relationships" xmlns:p="http://schemas.openxmlformats.org/presentationml/2006/main">
   <p:cSld>
+    <p:bg>
+      <p:bgPr>
+        <a:solidFill>
+          <a:schemeClr val="bg1"/>
+        </a:solidFill>
+        <a:effectLst/>
+      </p:bgPr>
+    </p:bg>
     <p:spTree>
       <p:nvGrpSpPr>
         <p:cNvPr id="1" name=""/>
@@ -11722,10 +13146,192 @@
           <a:bodyPr/>
           <a:lstStyle/>
           <a:p>
+            <a:r>
+              <a:rPr lang="zh-CN" altLang="en-US" b="0" dirty="0"/>
+              <a:t>使用和避免</a:t>
+            </a:r>
+            <a:r>
+              <a:rPr lang="en-US" altLang="zh-CN" b="0" dirty="0"/>
+              <a:t>null</a:t>
+            </a:r>
             <a:endParaRPr lang="zh-CN" altLang="en-US" dirty="0"/>
           </a:p>
         </p:txBody>
       </p:sp>
+      <p:sp>
+        <p:nvSpPr>
+          <p:cNvPr id="8" name="文本框 7">
+            <a:extLst>
+              <a:ext uri="{FF2B5EF4-FFF2-40B4-BE49-F238E27FC236}">
+                <a16:creationId xmlns:a16="http://schemas.microsoft.com/office/drawing/2014/main" id="{B7A6FE74-EC09-42D2-8370-F10597C70094}"/>
+              </a:ext>
+            </a:extLst>
+          </p:cNvPr>
+          <p:cNvSpPr txBox="1"/>
+          <p:nvPr/>
+        </p:nvSpPr>
+        <p:spPr>
+          <a:xfrm>
+            <a:off x="243311" y="1811045"/>
+            <a:ext cx="2384479" cy="3855992"/>
+          </a:xfrm>
+          <a:prstGeom prst="rect">
+            <a:avLst/>
+          </a:prstGeom>
+          <a:noFill/>
+        </p:spPr>
+        <p:txBody>
+          <a:bodyPr wrap="square" rtlCol="0">
+            <a:spAutoFit/>
+          </a:bodyPr>
+          <a:lstStyle/>
+          <a:p>
+            <a:r>
+              <a:rPr lang="en-US" altLang="zh-CN" dirty="0"/>
+              <a:t>Guava</a:t>
+            </a:r>
+            <a:r>
+              <a:rPr lang="zh-CN" altLang="en-US" dirty="0"/>
+              <a:t>用</a:t>
+            </a:r>
+            <a:r>
+              <a:rPr lang="en-US" altLang="zh-CN" dirty="0"/>
+              <a:t>Optional&lt;T&gt;</a:t>
+            </a:r>
+            <a:r>
+              <a:rPr lang="zh-CN" altLang="en-US" dirty="0"/>
+              <a:t>表示可能为</a:t>
+            </a:r>
+            <a:r>
+              <a:rPr lang="en-US" altLang="zh-CN" dirty="0"/>
+              <a:t>null</a:t>
+            </a:r>
+            <a:r>
+              <a:rPr lang="zh-CN" altLang="en-US" dirty="0"/>
+              <a:t>的</a:t>
+            </a:r>
+            <a:r>
+              <a:rPr lang="en-US" altLang="zh-CN" dirty="0"/>
+              <a:t>T</a:t>
+            </a:r>
+            <a:r>
+              <a:rPr lang="zh-CN" altLang="en-US" dirty="0"/>
+              <a:t>类型引用。一个</a:t>
+            </a:r>
+            <a:r>
+              <a:rPr lang="en-US" altLang="zh-CN" dirty="0"/>
+              <a:t>Optional</a:t>
+            </a:r>
+            <a:r>
+              <a:rPr lang="zh-CN" altLang="en-US" dirty="0"/>
+              <a:t>实例可能包含非</a:t>
+            </a:r>
+            <a:r>
+              <a:rPr lang="en-US" altLang="zh-CN" dirty="0"/>
+              <a:t>null</a:t>
+            </a:r>
+            <a:r>
+              <a:rPr lang="zh-CN" altLang="en-US" dirty="0"/>
+              <a:t>的引用（我们称之为引用存在），也可能什么也不包括（称之为引用缺失）。它从不说包含的是</a:t>
+            </a:r>
+            <a:r>
+              <a:rPr lang="en-US" altLang="zh-CN" dirty="0"/>
+              <a:t>null</a:t>
+            </a:r>
+            <a:r>
+              <a:rPr lang="zh-CN" altLang="en-US" dirty="0"/>
+              <a:t>值，而是用存在或缺失来表示。但</a:t>
+            </a:r>
+            <a:r>
+              <a:rPr lang="en-US" altLang="zh-CN" dirty="0"/>
+              <a:t>Optional</a:t>
+            </a:r>
+            <a:r>
+              <a:rPr lang="zh-CN" altLang="en-US" dirty="0"/>
+              <a:t>从不会包含</a:t>
+            </a:r>
+            <a:r>
+              <a:rPr lang="en-US" altLang="zh-CN" dirty="0"/>
+              <a:t>null</a:t>
+            </a:r>
+            <a:r>
+              <a:rPr lang="zh-CN" altLang="en-US" dirty="0"/>
+              <a:t>值引用。</a:t>
+            </a:r>
+            <a:endParaRPr lang="en-US" altLang="zh-CN" dirty="0"/>
+          </a:p>
+          <a:p>
+            <a:endParaRPr lang="en-US" altLang="zh-CN" dirty="0"/>
+          </a:p>
+          <a:p>
+            <a:r>
+              <a:rPr lang="zh-CN" altLang="en-US" dirty="0"/>
+              <a:t>例子：</a:t>
+            </a:r>
+            <a:r>
+              <a:rPr lang="zh-CN" altLang="zh-CN" sz="1600" dirty="0">
+                <a:solidFill>
+                  <a:srgbClr val="A9B7C6"/>
+                </a:solidFill>
+                <a:latin typeface="Consolas" panose="020B0609020204030204" pitchFamily="49" charset="0"/>
+              </a:rPr>
+              <a:t> Optional.</a:t>
+            </a:r>
+            <a:r>
+              <a:rPr lang="zh-CN" altLang="zh-CN" sz="1600" i="1" dirty="0">
+                <a:solidFill>
+                  <a:srgbClr val="A9B7C6"/>
+                </a:solidFill>
+                <a:latin typeface="Consolas" panose="020B0609020204030204" pitchFamily="49" charset="0"/>
+              </a:rPr>
+              <a:t>fromNullable</a:t>
+            </a:r>
+            <a:r>
+              <a:rPr lang="zh-CN" altLang="zh-CN" sz="1600" dirty="0">
+                <a:solidFill>
+                  <a:srgbClr val="A9B7C6"/>
+                </a:solidFill>
+                <a:latin typeface="Consolas" panose="020B0609020204030204" pitchFamily="49" charset="0"/>
+              </a:rPr>
+              <a:t>(a).or(b)</a:t>
+            </a:r>
+            <a:endParaRPr lang="en-US" altLang="zh-CN" dirty="0"/>
+          </a:p>
+          <a:p>
+            <a:endParaRPr lang="en-US" altLang="zh-CN" dirty="0"/>
+          </a:p>
+        </p:txBody>
+      </p:sp>
+      <p:pic>
+        <p:nvPicPr>
+          <p:cNvPr id="12" name="图片 11">
+            <a:extLst>
+              <a:ext uri="{FF2B5EF4-FFF2-40B4-BE49-F238E27FC236}">
+                <a16:creationId xmlns:a16="http://schemas.microsoft.com/office/drawing/2014/main" id="{21D35228-BD04-4FBB-8433-47848EC21F6A}"/>
+              </a:ext>
+            </a:extLst>
+          </p:cNvPr>
+          <p:cNvPicPr>
+            <a:picLocks noChangeAspect="1"/>
+          </p:cNvPicPr>
+          <p:nvPr/>
+        </p:nvPicPr>
+        <p:blipFill>
+          <a:blip r:embed="rId2"/>
+          <a:stretch>
+            <a:fillRect/>
+          </a:stretch>
+        </p:blipFill>
+        <p:spPr>
+          <a:xfrm>
+            <a:off x="2705194" y="1882067"/>
+            <a:ext cx="6332273" cy="3999966"/>
+          </a:xfrm>
+          <a:prstGeom prst="rect">
+            <a:avLst/>
+          </a:prstGeom>
+        </p:spPr>
+      </p:pic>
     </p:spTree>
     <p:extLst>
       <p:ext uri="{BB962C8B-B14F-4D97-AF65-F5344CB8AC3E}">
@@ -11756,10 +13362,845 @@
           <a:chExt cx="0" cy="0"/>
         </a:xfrm>
       </p:grpSpPr>
+      <p:sp>
+        <p:nvSpPr>
+          <p:cNvPr id="5" name="文本占位符 4"/>
+          <p:cNvSpPr>
+            <a:spLocks noGrp="1"/>
+          </p:cNvSpPr>
+          <p:nvPr>
+            <p:ph type="body" sz="quarter" idx="10"/>
+          </p:nvPr>
+        </p:nvSpPr>
+        <p:spPr/>
+        <p:txBody>
+          <a:bodyPr/>
+          <a:lstStyle/>
+          <a:p>
+            <a:r>
+              <a:rPr lang="zh-CN" altLang="en-US" b="0" dirty="0"/>
+              <a:t>前置条件</a:t>
+            </a:r>
+            <a:r>
+              <a:rPr lang="en-US" altLang="zh-CN" b="0" dirty="0"/>
+              <a:t>(</a:t>
+            </a:r>
+            <a:r>
+              <a:rPr lang="zh-CN" altLang="zh-CN" b="0" i="1" dirty="0">
+                <a:solidFill>
+                  <a:srgbClr val="629755"/>
+                </a:solidFill>
+                <a:latin typeface="Consolas" panose="020B0609020204030204" pitchFamily="49" charset="0"/>
+              </a:rPr>
+              <a:t>Preconditions</a:t>
+            </a:r>
+            <a:r>
+              <a:rPr lang="en-US" altLang="zh-CN" b="0" dirty="0"/>
+              <a:t>)</a:t>
+            </a:r>
+            <a:endParaRPr lang="en-US" altLang="zh-CN" dirty="0"/>
+          </a:p>
+          <a:p>
+            <a:endParaRPr lang="zh-CN" altLang="en-US" dirty="0"/>
+          </a:p>
+        </p:txBody>
+      </p:sp>
+      <p:sp>
+        <p:nvSpPr>
+          <p:cNvPr id="2" name="文本框 1">
+            <a:extLst>
+              <a:ext uri="{FF2B5EF4-FFF2-40B4-BE49-F238E27FC236}">
+                <a16:creationId xmlns:a16="http://schemas.microsoft.com/office/drawing/2014/main" id="{46942831-FE3E-4885-8167-2D2840B176FB}"/>
+              </a:ext>
+            </a:extLst>
+          </p:cNvPr>
+          <p:cNvSpPr txBox="1"/>
+          <p:nvPr/>
+        </p:nvSpPr>
+        <p:spPr>
+          <a:xfrm>
+            <a:off x="407253" y="1874904"/>
+            <a:ext cx="8406333" cy="2429063"/>
+          </a:xfrm>
+          <a:prstGeom prst="rect">
+            <a:avLst/>
+          </a:prstGeom>
+          <a:noFill/>
+        </p:spPr>
+        <p:txBody>
+          <a:bodyPr wrap="square" rtlCol="0">
+            <a:spAutoFit/>
+          </a:bodyPr>
+          <a:lstStyle/>
+          <a:p>
+            <a:r>
+              <a:rPr lang="en-US" altLang="zh-CN" dirty="0"/>
+              <a:t>Guava</a:t>
+            </a:r>
+            <a:r>
+              <a:rPr lang="zh-CN" altLang="en-US" dirty="0"/>
+              <a:t>在</a:t>
+            </a:r>
+            <a:r>
+              <a:rPr lang="en-US" altLang="zh-CN" dirty="0"/>
+              <a:t>Preconditions</a:t>
+            </a:r>
+            <a:r>
+              <a:rPr lang="zh-CN" altLang="en-US" dirty="0"/>
+              <a:t>类中提供了若干前置条件判断的实用方法，每个方法都有三个变种：</a:t>
+            </a:r>
+            <a:endParaRPr lang="en-US" altLang="zh-CN" dirty="0"/>
+          </a:p>
+          <a:p>
+            <a:pPr marL="342900" indent="-342900">
+              <a:buFont typeface="+mj-lt"/>
+              <a:buAutoNum type="arabicPeriod"/>
+            </a:pPr>
+            <a:endParaRPr lang="en-US" altLang="zh-CN" dirty="0"/>
+          </a:p>
+          <a:p>
+            <a:pPr marL="342900" indent="-342900">
+              <a:buFont typeface="+mj-lt"/>
+              <a:buAutoNum type="arabicPeriod"/>
+            </a:pPr>
+            <a:r>
+              <a:rPr lang="zh-CN" altLang="en-US" dirty="0"/>
+              <a:t>没有额外参数：抛出的异常中没有错误消息；</a:t>
+            </a:r>
+            <a:endParaRPr lang="en-US" altLang="zh-CN" dirty="0"/>
+          </a:p>
+          <a:p>
+            <a:pPr marL="342900" indent="-342900">
+              <a:buFont typeface="+mj-lt"/>
+              <a:buAutoNum type="arabicPeriod"/>
+            </a:pPr>
+            <a:r>
+              <a:rPr lang="zh-CN" altLang="en-US" dirty="0"/>
+              <a:t>有一个</a:t>
+            </a:r>
+            <a:r>
+              <a:rPr lang="en-US" altLang="zh-CN" dirty="0"/>
+              <a:t>Object</a:t>
+            </a:r>
+            <a:r>
+              <a:rPr lang="zh-CN" altLang="en-US" dirty="0"/>
+              <a:t>对象作为额外参数：抛出的异常使用</a:t>
+            </a:r>
+            <a:r>
+              <a:rPr lang="en-US" altLang="zh-CN" dirty="0" err="1"/>
+              <a:t>Object.toString</a:t>
+            </a:r>
+            <a:r>
+              <a:rPr lang="en-US" altLang="zh-CN" dirty="0"/>
+              <a:t>() </a:t>
+            </a:r>
+            <a:r>
+              <a:rPr lang="zh-CN" altLang="en-US" dirty="0"/>
+              <a:t>作为错误消息；</a:t>
+            </a:r>
+            <a:endParaRPr lang="en-US" altLang="zh-CN" dirty="0"/>
+          </a:p>
+          <a:p>
+            <a:pPr marL="342900" indent="-342900">
+              <a:buFont typeface="+mj-lt"/>
+              <a:buAutoNum type="arabicPeriod"/>
+            </a:pPr>
+            <a:r>
+              <a:rPr lang="zh-CN" altLang="en-US" dirty="0"/>
+              <a:t>有一个</a:t>
+            </a:r>
+            <a:r>
+              <a:rPr lang="en-US" altLang="zh-CN" dirty="0"/>
+              <a:t>String</a:t>
+            </a:r>
+            <a:r>
+              <a:rPr lang="zh-CN" altLang="en-US" dirty="0"/>
+              <a:t>对象作为额外参数，并且有一组任意数量的附加</a:t>
+            </a:r>
+            <a:r>
+              <a:rPr lang="en-US" altLang="zh-CN" dirty="0"/>
+              <a:t>Object</a:t>
+            </a:r>
+            <a:r>
+              <a:rPr lang="zh-CN" altLang="en-US" dirty="0"/>
+              <a:t>对象：这个变种处理异常消息的方式有点类似</a:t>
+            </a:r>
+            <a:r>
+              <a:rPr lang="en-US" altLang="zh-CN" dirty="0" err="1"/>
+              <a:t>printf</a:t>
+            </a:r>
+            <a:r>
+              <a:rPr lang="zh-CN" altLang="en-US" dirty="0"/>
+              <a:t>，但考虑</a:t>
+            </a:r>
+            <a:r>
+              <a:rPr lang="en-US" altLang="zh-CN" dirty="0"/>
+              <a:t>GWT</a:t>
+            </a:r>
+            <a:r>
+              <a:rPr lang="zh-CN" altLang="en-US" dirty="0"/>
+              <a:t>的兼容性和效率，只支持</a:t>
+            </a:r>
+            <a:r>
+              <a:rPr lang="en-US" altLang="zh-CN" dirty="0"/>
+              <a:t>%s</a:t>
+            </a:r>
+            <a:r>
+              <a:rPr lang="zh-CN" altLang="en-US" dirty="0"/>
+              <a:t>指示符</a:t>
+            </a:r>
+            <a:endParaRPr lang="en-US" altLang="zh-CN" sz="1600" dirty="0">
+              <a:solidFill>
+                <a:srgbClr val="A9B7C6"/>
+              </a:solidFill>
+              <a:latin typeface="Consolas" panose="020B0609020204030204" pitchFamily="49" charset="0"/>
+            </a:endParaRPr>
+          </a:p>
+          <a:p>
+            <a:endParaRPr lang="en-US" altLang="zh-CN" sz="1600" dirty="0">
+              <a:solidFill>
+                <a:srgbClr val="A9B7C6"/>
+              </a:solidFill>
+              <a:latin typeface="Consolas" panose="020B0609020204030204" pitchFamily="49" charset="0"/>
+            </a:endParaRPr>
+          </a:p>
+          <a:p>
+            <a:r>
+              <a:rPr lang="zh-CN" altLang="zh-CN" sz="1600" dirty="0">
+                <a:solidFill>
+                  <a:srgbClr val="A9B7C6"/>
+                </a:solidFill>
+                <a:latin typeface="Consolas" panose="020B0609020204030204" pitchFamily="49" charset="0"/>
+              </a:rPr>
+              <a:t>Prec</a:t>
+            </a:r>
+            <a:r>
+              <a:rPr lang="zh-CN" altLang="zh-CN" sz="1400" dirty="0">
+                <a:solidFill>
+                  <a:srgbClr val="A9B7C6"/>
+                </a:solidFill>
+                <a:latin typeface="Consolas" panose="020B0609020204030204" pitchFamily="49" charset="0"/>
+              </a:rPr>
+              <a:t>onditions.</a:t>
+            </a:r>
+            <a:r>
+              <a:rPr lang="zh-CN" altLang="zh-CN" sz="1400" i="1" dirty="0">
+                <a:solidFill>
+                  <a:srgbClr val="A9B7C6"/>
+                </a:solidFill>
+                <a:latin typeface="Consolas" panose="020B0609020204030204" pitchFamily="49" charset="0"/>
+              </a:rPr>
+              <a:t>checkArgument</a:t>
+            </a:r>
+            <a:r>
+              <a:rPr lang="zh-CN" altLang="zh-CN" sz="1400" dirty="0">
+                <a:solidFill>
+                  <a:srgbClr val="A9B7C6"/>
+                </a:solidFill>
+                <a:latin typeface="Consolas" panose="020B0609020204030204" pitchFamily="49" charset="0"/>
+              </a:rPr>
+              <a:t>(i &gt;= </a:t>
+            </a:r>
+            <a:r>
+              <a:rPr lang="zh-CN" altLang="zh-CN" sz="1400" dirty="0">
+                <a:solidFill>
+                  <a:srgbClr val="6897BB"/>
+                </a:solidFill>
+                <a:latin typeface="Consolas" panose="020B0609020204030204" pitchFamily="49" charset="0"/>
+              </a:rPr>
+              <a:t>0</a:t>
+            </a:r>
+            <a:r>
+              <a:rPr lang="zh-CN" altLang="zh-CN" sz="1400" dirty="0">
+                <a:solidFill>
+                  <a:srgbClr val="CC7832"/>
+                </a:solidFill>
+                <a:latin typeface="Consolas" panose="020B0609020204030204" pitchFamily="49" charset="0"/>
+              </a:rPr>
+              <a:t>, </a:t>
+            </a:r>
+            <a:r>
+              <a:rPr lang="zh-CN" altLang="zh-CN" sz="1400" dirty="0">
+                <a:solidFill>
+                  <a:srgbClr val="6A8759"/>
+                </a:solidFill>
+                <a:latin typeface="Consolas" panose="020B0609020204030204" pitchFamily="49" charset="0"/>
+              </a:rPr>
+              <a:t>"Argument was %s but expected nonnegative"</a:t>
+            </a:r>
+            <a:r>
+              <a:rPr lang="zh-CN" altLang="zh-CN" sz="1400" dirty="0">
+                <a:solidFill>
+                  <a:srgbClr val="CC7832"/>
+                </a:solidFill>
+                <a:latin typeface="Consolas" panose="020B0609020204030204" pitchFamily="49" charset="0"/>
+              </a:rPr>
+              <a:t>, </a:t>
+            </a:r>
+            <a:r>
+              <a:rPr lang="zh-CN" altLang="zh-CN" sz="1400" dirty="0">
+                <a:solidFill>
+                  <a:srgbClr val="A9B7C6"/>
+                </a:solidFill>
+                <a:latin typeface="Consolas" panose="020B0609020204030204" pitchFamily="49" charset="0"/>
+              </a:rPr>
+              <a:t>i)</a:t>
+            </a:r>
+            <a:r>
+              <a:rPr lang="zh-CN" altLang="zh-CN" sz="1400" dirty="0">
+                <a:solidFill>
+                  <a:srgbClr val="CC7832"/>
+                </a:solidFill>
+                <a:latin typeface="Consolas" panose="020B0609020204030204" pitchFamily="49" charset="0"/>
+              </a:rPr>
+              <a:t>;</a:t>
+            </a:r>
+            <a:br>
+              <a:rPr lang="zh-CN" altLang="zh-CN" sz="1600" dirty="0">
+                <a:solidFill>
+                  <a:srgbClr val="CC7832"/>
+                </a:solidFill>
+                <a:latin typeface="Consolas" panose="020B0609020204030204" pitchFamily="49" charset="0"/>
+              </a:rPr>
+            </a:br>
+            <a:r>
+              <a:rPr lang="zh-CN" altLang="zh-CN" sz="1400" dirty="0">
+                <a:solidFill>
+                  <a:srgbClr val="A9B7C6"/>
+                </a:solidFill>
+                <a:latin typeface="Consolas" panose="020B0609020204030204" pitchFamily="49" charset="0"/>
+              </a:rPr>
+              <a:t>Preconditions.</a:t>
+            </a:r>
+            <a:r>
+              <a:rPr lang="zh-CN" altLang="zh-CN" sz="1400" i="1" dirty="0">
+                <a:solidFill>
+                  <a:srgbClr val="A9B7C6"/>
+                </a:solidFill>
+                <a:latin typeface="Consolas" panose="020B0609020204030204" pitchFamily="49" charset="0"/>
+              </a:rPr>
+              <a:t>checkArgument</a:t>
+            </a:r>
+            <a:r>
+              <a:rPr lang="zh-CN" altLang="zh-CN" sz="1400" dirty="0">
+                <a:solidFill>
+                  <a:srgbClr val="A9B7C6"/>
+                </a:solidFill>
+                <a:latin typeface="Consolas" panose="020B0609020204030204" pitchFamily="49" charset="0"/>
+              </a:rPr>
+              <a:t>(i &gt; j</a:t>
+            </a:r>
+            <a:r>
+              <a:rPr lang="zh-CN" altLang="zh-CN" sz="1400" dirty="0">
+                <a:solidFill>
+                  <a:srgbClr val="CC7832"/>
+                </a:solidFill>
+                <a:latin typeface="Consolas" panose="020B0609020204030204" pitchFamily="49" charset="0"/>
+              </a:rPr>
+              <a:t>, </a:t>
+            </a:r>
+            <a:r>
+              <a:rPr lang="zh-CN" altLang="zh-CN" sz="1400" dirty="0">
+                <a:solidFill>
+                  <a:srgbClr val="6A8759"/>
+                </a:solidFill>
+                <a:latin typeface="Consolas" panose="020B0609020204030204" pitchFamily="49" charset="0"/>
+              </a:rPr>
+              <a:t>"Expected i &lt; j, but %s &gt; %s"</a:t>
+            </a:r>
+            <a:r>
+              <a:rPr lang="zh-CN" altLang="zh-CN" sz="1400" dirty="0">
+                <a:solidFill>
+                  <a:srgbClr val="CC7832"/>
+                </a:solidFill>
+                <a:latin typeface="Consolas" panose="020B0609020204030204" pitchFamily="49" charset="0"/>
+              </a:rPr>
+              <a:t>, </a:t>
+            </a:r>
+            <a:r>
+              <a:rPr lang="zh-CN" altLang="zh-CN" sz="1400" dirty="0">
+                <a:solidFill>
+                  <a:srgbClr val="A9B7C6"/>
+                </a:solidFill>
+                <a:latin typeface="Consolas" panose="020B0609020204030204" pitchFamily="49" charset="0"/>
+              </a:rPr>
+              <a:t>i</a:t>
+            </a:r>
+            <a:r>
+              <a:rPr lang="zh-CN" altLang="zh-CN" sz="1400" dirty="0">
+                <a:solidFill>
+                  <a:srgbClr val="CC7832"/>
+                </a:solidFill>
+                <a:latin typeface="Consolas" panose="020B0609020204030204" pitchFamily="49" charset="0"/>
+              </a:rPr>
+              <a:t>, </a:t>
+            </a:r>
+            <a:r>
+              <a:rPr lang="zh-CN" altLang="zh-CN" sz="1400" dirty="0">
+                <a:solidFill>
+                  <a:srgbClr val="A9B7C6"/>
+                </a:solidFill>
+                <a:latin typeface="Consolas" panose="020B0609020204030204" pitchFamily="49" charset="0"/>
+              </a:rPr>
+              <a:t>j)</a:t>
+            </a:r>
+            <a:r>
+              <a:rPr lang="zh-CN" altLang="zh-CN" sz="1400" dirty="0">
+                <a:solidFill>
+                  <a:srgbClr val="CC7832"/>
+                </a:solidFill>
+                <a:latin typeface="Consolas" panose="020B0609020204030204" pitchFamily="49" charset="0"/>
+              </a:rPr>
+              <a:t>;</a:t>
+            </a:r>
+            <a:endParaRPr lang="zh-CN" altLang="zh-CN" sz="2400" dirty="0">
+              <a:latin typeface="Arial" panose="020B0604020202020204" pitchFamily="34" charset="0"/>
+            </a:endParaRPr>
+          </a:p>
+          <a:p>
+            <a:endParaRPr lang="zh-CN" altLang="en-US" dirty="0"/>
+          </a:p>
+        </p:txBody>
+      </p:sp>
     </p:spTree>
     <p:extLst>
       <p:ext uri="{BB962C8B-B14F-4D97-AF65-F5344CB8AC3E}">
-        <p14:creationId xmlns:p14="http://schemas.microsoft.com/office/powerpoint/2010/main" val="791654222"/>
+        <p14:creationId xmlns:p14="http://schemas.microsoft.com/office/powerpoint/2010/main" val="1944825981"/>
+      </p:ext>
+    </p:extLst>
+  </p:cSld>
+  <p:clrMapOvr>
+    <a:masterClrMapping/>
+  </p:clrMapOvr>
+</p:sld>
+</file>
+
+<file path=ppt/slides/slide6.xml><?xml version="1.0" encoding="utf-8"?>
+<p:sld xmlns:a="http://schemas.openxmlformats.org/drawingml/2006/main" xmlns:r="http://schemas.openxmlformats.org/officeDocument/2006/relationships" xmlns:p="http://schemas.openxmlformats.org/presentationml/2006/main">
+  <p:cSld>
+    <p:spTree>
+      <p:nvGrpSpPr>
+        <p:cNvPr id="1" name=""/>
+        <p:cNvGrpSpPr/>
+        <p:nvPr/>
+      </p:nvGrpSpPr>
+      <p:grpSpPr>
+        <a:xfrm>
+          <a:off x="0" y="0"/>
+          <a:ext cx="0" cy="0"/>
+          <a:chOff x="0" y="0"/>
+          <a:chExt cx="0" cy="0"/>
+        </a:xfrm>
+      </p:grpSpPr>
+      <p:sp>
+        <p:nvSpPr>
+          <p:cNvPr id="5" name="文本占位符 4"/>
+          <p:cNvSpPr>
+            <a:spLocks noGrp="1"/>
+          </p:cNvSpPr>
+          <p:nvPr>
+            <p:ph type="body" sz="quarter" idx="10"/>
+          </p:nvPr>
+        </p:nvSpPr>
+        <p:spPr/>
+        <p:txBody>
+          <a:bodyPr/>
+          <a:lstStyle/>
+          <a:p>
+            <a:r>
+              <a:rPr lang="zh-CN" altLang="en-US" b="0" dirty="0"/>
+              <a:t>前置条件</a:t>
+            </a:r>
+            <a:r>
+              <a:rPr lang="en-US" altLang="zh-CN" b="0" dirty="0"/>
+              <a:t>(</a:t>
+            </a:r>
+            <a:r>
+              <a:rPr lang="zh-CN" altLang="zh-CN" b="0" i="1" dirty="0">
+                <a:solidFill>
+                  <a:srgbClr val="629755"/>
+                </a:solidFill>
+                <a:latin typeface="Consolas" panose="020B0609020204030204" pitchFamily="49" charset="0"/>
+              </a:rPr>
+              <a:t>Preconditions</a:t>
+            </a:r>
+            <a:r>
+              <a:rPr lang="en-US" altLang="zh-CN" b="0" dirty="0"/>
+              <a:t>)</a:t>
+            </a:r>
+            <a:endParaRPr lang="en-US" altLang="zh-CN" dirty="0"/>
+          </a:p>
+          <a:p>
+            <a:endParaRPr lang="zh-CN" altLang="en-US" dirty="0"/>
+          </a:p>
+        </p:txBody>
+      </p:sp>
+      <p:sp>
+        <p:nvSpPr>
+          <p:cNvPr id="2" name="文本框 1">
+            <a:extLst>
+              <a:ext uri="{FF2B5EF4-FFF2-40B4-BE49-F238E27FC236}">
+                <a16:creationId xmlns:a16="http://schemas.microsoft.com/office/drawing/2014/main" id="{46942831-FE3E-4885-8167-2D2840B176FB}"/>
+              </a:ext>
+            </a:extLst>
+          </p:cNvPr>
+          <p:cNvSpPr txBox="1"/>
+          <p:nvPr/>
+        </p:nvSpPr>
+        <p:spPr>
+          <a:xfrm>
+            <a:off x="407253" y="1874904"/>
+            <a:ext cx="8406333" cy="325025"/>
+          </a:xfrm>
+          <a:prstGeom prst="rect">
+            <a:avLst/>
+          </a:prstGeom>
+          <a:noFill/>
+        </p:spPr>
+        <p:txBody>
+          <a:bodyPr wrap="square" rtlCol="0">
+            <a:spAutoFit/>
+          </a:bodyPr>
+          <a:lstStyle/>
+          <a:p>
+            <a:endParaRPr lang="zh-CN" altLang="en-US" dirty="0"/>
+          </a:p>
+        </p:txBody>
+      </p:sp>
+    </p:spTree>
+    <p:extLst>
+      <p:ext uri="{BB962C8B-B14F-4D97-AF65-F5344CB8AC3E}">
+        <p14:creationId xmlns:p14="http://schemas.microsoft.com/office/powerpoint/2010/main" val="3122216396"/>
+      </p:ext>
+    </p:extLst>
+  </p:cSld>
+  <p:clrMapOvr>
+    <a:masterClrMapping/>
+  </p:clrMapOvr>
+</p:sld>
+</file>
+
+<file path=ppt/slides/slide7.xml><?xml version="1.0" encoding="utf-8"?>
+<p:sld xmlns:a="http://schemas.openxmlformats.org/drawingml/2006/main" xmlns:r="http://schemas.openxmlformats.org/officeDocument/2006/relationships" xmlns:p="http://schemas.openxmlformats.org/presentationml/2006/main">
+  <p:cSld>
+    <p:spTree>
+      <p:nvGrpSpPr>
+        <p:cNvPr id="1" name=""/>
+        <p:cNvGrpSpPr/>
+        <p:nvPr/>
+      </p:nvGrpSpPr>
+      <p:grpSpPr>
+        <a:xfrm>
+          <a:off x="0" y="0"/>
+          <a:ext cx="0" cy="0"/>
+          <a:chOff x="0" y="0"/>
+          <a:chExt cx="0" cy="0"/>
+        </a:xfrm>
+      </p:grpSpPr>
+      <p:sp>
+        <p:nvSpPr>
+          <p:cNvPr id="8" name="标题 7"/>
+          <p:cNvSpPr>
+            <a:spLocks noGrp="1"/>
+          </p:cNvSpPr>
+          <p:nvPr>
+            <p:ph type="title"/>
+          </p:nvPr>
+        </p:nvSpPr>
+        <p:spPr/>
+        <p:txBody>
+          <a:bodyPr/>
+          <a:lstStyle/>
+          <a:p>
+            <a:r>
+              <a:rPr lang="zh-CN" altLang="en-US" dirty="0"/>
+              <a:t>集合</a:t>
+            </a:r>
+            <a:br>
+              <a:rPr lang="en-US" altLang="zh-CN" dirty="0"/>
+            </a:br>
+            <a:r>
+              <a:rPr lang="en-US" altLang="zh-CN" dirty="0"/>
+              <a:t>Collections</a:t>
+            </a:r>
+            <a:endParaRPr lang="zh-CN" altLang="en-US" dirty="0"/>
+          </a:p>
+        </p:txBody>
+      </p:sp>
+      <p:sp>
+        <p:nvSpPr>
+          <p:cNvPr id="6" name="文本占位符 5"/>
+          <p:cNvSpPr>
+            <a:spLocks noGrp="1"/>
+          </p:cNvSpPr>
+          <p:nvPr>
+            <p:ph type="body" sz="quarter" idx="13"/>
+          </p:nvPr>
+        </p:nvSpPr>
+        <p:spPr/>
+        <p:txBody>
+          <a:bodyPr/>
+          <a:lstStyle/>
+          <a:p>
+            <a:r>
+              <a:rPr lang="en-US" altLang="zh-CN" dirty="0"/>
+              <a:t>Guava</a:t>
+            </a:r>
+            <a:r>
+              <a:rPr lang="zh-CN" altLang="en-US" dirty="0"/>
+              <a:t>对</a:t>
+            </a:r>
+            <a:r>
+              <a:rPr lang="en-US" altLang="zh-CN" dirty="0"/>
+              <a:t>JDK</a:t>
+            </a:r>
+            <a:r>
+              <a:rPr lang="zh-CN" altLang="en-US" dirty="0"/>
+              <a:t>集合的扩展</a:t>
+            </a:r>
+          </a:p>
+        </p:txBody>
+      </p:sp>
+      <p:sp>
+        <p:nvSpPr>
+          <p:cNvPr id="9" name="文本占位符 8"/>
+          <p:cNvSpPr>
+            <a:spLocks noGrp="1"/>
+          </p:cNvSpPr>
+          <p:nvPr>
+            <p:ph type="body" sz="quarter" idx="14"/>
+          </p:nvPr>
+        </p:nvSpPr>
+        <p:spPr/>
+        <p:txBody>
+          <a:bodyPr/>
+          <a:lstStyle/>
+          <a:p>
+            <a:r>
+              <a:rPr lang="en-US" altLang="zh-CN" dirty="0"/>
+              <a:t>02</a:t>
+            </a:r>
+            <a:endParaRPr lang="zh-CN" altLang="en-US" dirty="0"/>
+          </a:p>
+        </p:txBody>
+      </p:sp>
+    </p:spTree>
+    <p:extLst>
+      <p:ext uri="{BB962C8B-B14F-4D97-AF65-F5344CB8AC3E}">
+        <p14:creationId xmlns:p14="http://schemas.microsoft.com/office/powerpoint/2010/main" val="2462291448"/>
+      </p:ext>
+    </p:extLst>
+  </p:cSld>
+  <p:clrMapOvr>
+    <a:masterClrMapping/>
+  </p:clrMapOvr>
+</p:sld>
+</file>
+
+<file path=ppt/slides/slide8.xml><?xml version="1.0" encoding="utf-8"?>
+<p:sld xmlns:a="http://schemas.openxmlformats.org/drawingml/2006/main" xmlns:r="http://schemas.openxmlformats.org/officeDocument/2006/relationships" xmlns:p="http://schemas.openxmlformats.org/presentationml/2006/main">
+  <p:cSld>
+    <p:spTree>
+      <p:nvGrpSpPr>
+        <p:cNvPr id="1" name=""/>
+        <p:cNvGrpSpPr/>
+        <p:nvPr/>
+      </p:nvGrpSpPr>
+      <p:grpSpPr>
+        <a:xfrm>
+          <a:off x="0" y="0"/>
+          <a:ext cx="0" cy="0"/>
+          <a:chOff x="0" y="0"/>
+          <a:chExt cx="0" cy="0"/>
+        </a:xfrm>
+      </p:grpSpPr>
+      <p:sp>
+        <p:nvSpPr>
+          <p:cNvPr id="8" name="标题 7"/>
+          <p:cNvSpPr>
+            <a:spLocks noGrp="1"/>
+          </p:cNvSpPr>
+          <p:nvPr>
+            <p:ph type="title"/>
+          </p:nvPr>
+        </p:nvSpPr>
+        <p:spPr/>
+        <p:txBody>
+          <a:bodyPr/>
+          <a:lstStyle/>
+          <a:p>
+            <a:r>
+              <a:rPr lang="zh-CN" altLang="en-US" dirty="0"/>
+              <a:t>缓存</a:t>
+            </a:r>
+            <a:br>
+              <a:rPr lang="en-US" altLang="zh-CN" dirty="0"/>
+            </a:br>
+            <a:r>
+              <a:rPr lang="en-US" altLang="zh-CN" dirty="0"/>
+              <a:t>catch</a:t>
+            </a:r>
+            <a:r>
+              <a:rPr lang="zh-CN" altLang="en-US" dirty="0"/>
+              <a:t> </a:t>
+            </a:r>
+          </a:p>
+        </p:txBody>
+      </p:sp>
+      <p:sp>
+        <p:nvSpPr>
+          <p:cNvPr id="6" name="文本占位符 5"/>
+          <p:cNvSpPr>
+            <a:spLocks noGrp="1"/>
+          </p:cNvSpPr>
+          <p:nvPr>
+            <p:ph type="body" sz="quarter" idx="13"/>
+          </p:nvPr>
+        </p:nvSpPr>
+        <p:spPr/>
+        <p:txBody>
+          <a:bodyPr/>
+          <a:lstStyle/>
+          <a:p>
+            <a:r>
+              <a:rPr lang="zh-CN" altLang="en-US" dirty="0"/>
+              <a:t>本地缓存实现，支持多种缓存过期策略</a:t>
+            </a:r>
+          </a:p>
+        </p:txBody>
+      </p:sp>
+      <p:sp>
+        <p:nvSpPr>
+          <p:cNvPr id="9" name="文本占位符 8"/>
+          <p:cNvSpPr>
+            <a:spLocks noGrp="1"/>
+          </p:cNvSpPr>
+          <p:nvPr>
+            <p:ph type="body" sz="quarter" idx="14"/>
+          </p:nvPr>
+        </p:nvSpPr>
+        <p:spPr/>
+        <p:txBody>
+          <a:bodyPr/>
+          <a:lstStyle/>
+          <a:p>
+            <a:r>
+              <a:rPr lang="en-US" altLang="zh-CN" dirty="0"/>
+              <a:t>03</a:t>
+            </a:r>
+            <a:endParaRPr lang="zh-CN" altLang="en-US" dirty="0"/>
+          </a:p>
+        </p:txBody>
+      </p:sp>
+    </p:spTree>
+    <p:extLst>
+      <p:ext uri="{BB962C8B-B14F-4D97-AF65-F5344CB8AC3E}">
+        <p14:creationId xmlns:p14="http://schemas.microsoft.com/office/powerpoint/2010/main" val="3783972235"/>
+      </p:ext>
+    </p:extLst>
+  </p:cSld>
+  <p:clrMapOvr>
+    <a:masterClrMapping/>
+  </p:clrMapOvr>
+</p:sld>
+</file>
+
+<file path=ppt/slides/slide9.xml><?xml version="1.0" encoding="utf-8"?>
+<p:sld xmlns:a="http://schemas.openxmlformats.org/drawingml/2006/main" xmlns:r="http://schemas.openxmlformats.org/officeDocument/2006/relationships" xmlns:p="http://schemas.openxmlformats.org/presentationml/2006/main">
+  <p:cSld>
+    <p:spTree>
+      <p:nvGrpSpPr>
+        <p:cNvPr id="1" name=""/>
+        <p:cNvGrpSpPr/>
+        <p:nvPr/>
+      </p:nvGrpSpPr>
+      <p:grpSpPr>
+        <a:xfrm>
+          <a:off x="0" y="0"/>
+          <a:ext cx="0" cy="0"/>
+          <a:chOff x="0" y="0"/>
+          <a:chExt cx="0" cy="0"/>
+        </a:xfrm>
+      </p:grpSpPr>
+      <p:sp>
+        <p:nvSpPr>
+          <p:cNvPr id="8" name="标题 7"/>
+          <p:cNvSpPr>
+            <a:spLocks noGrp="1"/>
+          </p:cNvSpPr>
+          <p:nvPr>
+            <p:ph type="title"/>
+          </p:nvPr>
+        </p:nvSpPr>
+        <p:spPr/>
+        <p:txBody>
+          <a:bodyPr/>
+          <a:lstStyle/>
+          <a:p>
+            <a:r>
+              <a:rPr lang="zh-CN" altLang="en-US" dirty="0"/>
+              <a:t>函数式风格</a:t>
+            </a:r>
+            <a:br>
+              <a:rPr lang="en-US" altLang="zh-CN" dirty="0"/>
+            </a:br>
+            <a:r>
+              <a:rPr lang="en-US" altLang="zh-CN" dirty="0"/>
+              <a:t>Functional idioms</a:t>
+            </a:r>
+            <a:endParaRPr lang="zh-CN" altLang="en-US" dirty="0"/>
+          </a:p>
+        </p:txBody>
+      </p:sp>
+      <p:sp>
+        <p:nvSpPr>
+          <p:cNvPr id="6" name="文本占位符 5"/>
+          <p:cNvSpPr>
+            <a:spLocks noGrp="1"/>
+          </p:cNvSpPr>
+          <p:nvPr>
+            <p:ph type="body" sz="quarter" idx="13"/>
+          </p:nvPr>
+        </p:nvSpPr>
+        <p:spPr/>
+        <p:txBody>
+          <a:bodyPr/>
+          <a:lstStyle/>
+          <a:p>
+            <a:r>
+              <a:rPr lang="zh-CN" altLang="en-US" dirty="0"/>
+              <a:t>可以显著简化代码</a:t>
+            </a:r>
+          </a:p>
+        </p:txBody>
+      </p:sp>
+      <p:sp>
+        <p:nvSpPr>
+          <p:cNvPr id="9" name="文本占位符 8"/>
+          <p:cNvSpPr>
+            <a:spLocks noGrp="1"/>
+          </p:cNvSpPr>
+          <p:nvPr>
+            <p:ph type="body" sz="quarter" idx="14"/>
+          </p:nvPr>
+        </p:nvSpPr>
+        <p:spPr/>
+        <p:txBody>
+          <a:bodyPr/>
+          <a:lstStyle/>
+          <a:p>
+            <a:r>
+              <a:rPr lang="en-US" altLang="zh-CN" dirty="0"/>
+              <a:t>04</a:t>
+            </a:r>
+            <a:endParaRPr lang="zh-CN" altLang="en-US" dirty="0"/>
+          </a:p>
+        </p:txBody>
+      </p:sp>
+    </p:spTree>
+    <p:extLst>
+      <p:ext uri="{BB962C8B-B14F-4D97-AF65-F5344CB8AC3E}">
+        <p14:creationId xmlns:p14="http://schemas.microsoft.com/office/powerpoint/2010/main" val="2674867946"/>
       </p:ext>
     </p:extLst>
   </p:cSld>
